--- a/welcome-2025.pptx
+++ b/welcome-2025.pptx
@@ -266,7 +266,7 @@
             <a:fld id="{7CB69C4B-EC5A-BA4C-B83C-9270746811F3}" type="datetimeFigureOut">
               <a:rPr lang="en-US" smtClean="0"/>
               <a:pPr/>
-              <a:t>7/30/25</a:t>
+              <a:t>7/31/25</a:t>
             </a:fld>
             <a:endParaRPr lang="en-US"/>
           </a:p>
@@ -461,7 +461,7 @@
               <a:pPr>
                 <a:defRPr/>
               </a:pPr>
-              <a:t>7/30/25</a:t>
+              <a:t>7/31/25</a:t>
             </a:fld>
             <a:endParaRPr lang="en-US"/>
           </a:p>
@@ -1397,7 +1397,7 @@
               <a:pPr>
                 <a:defRPr/>
               </a:pPr>
-              <a:t>7/30/25</a:t>
+              <a:t>7/31/25</a:t>
             </a:fld>
             <a:endParaRPr lang="en-US"/>
           </a:p>
@@ -1683,7 +1683,7 @@
               <a:pPr>
                 <a:defRPr/>
               </a:pPr>
-              <a:t>7/30/25</a:t>
+              <a:t>7/31/25</a:t>
             </a:fld>
             <a:endParaRPr lang="en-US"/>
           </a:p>
@@ -1886,7 +1886,7 @@
               <a:pPr>
                 <a:defRPr/>
               </a:pPr>
-              <a:t>7/30/25</a:t>
+              <a:t>7/31/25</a:t>
             </a:fld>
             <a:endParaRPr lang="en-US"/>
           </a:p>
@@ -2206,7 +2206,7 @@
               <a:pPr>
                 <a:defRPr/>
               </a:pPr>
-              <a:t>7/30/25</a:t>
+              <a:t>7/31/25</a:t>
             </a:fld>
             <a:endParaRPr lang="en-US"/>
           </a:p>
@@ -2476,7 +2476,7 @@
               <a:pPr>
                 <a:defRPr/>
               </a:pPr>
-              <a:t>7/30/25</a:t>
+              <a:t>7/31/25</a:t>
             </a:fld>
             <a:endParaRPr lang="en-US"/>
           </a:p>
@@ -2848,7 +2848,7 @@
               <a:pPr>
                 <a:defRPr/>
               </a:pPr>
-              <a:t>7/30/25</a:t>
+              <a:t>7/31/25</a:t>
             </a:fld>
             <a:endParaRPr lang="en-US"/>
           </a:p>
@@ -3297,7 +3297,7 @@
               <a:pPr>
                 <a:defRPr/>
               </a:pPr>
-              <a:t>7/30/25</a:t>
+              <a:t>7/31/25</a:t>
             </a:fld>
             <a:endParaRPr lang="en-US"/>
           </a:p>
@@ -3444,7 +3444,7 @@
               <a:pPr>
                 <a:defRPr/>
               </a:pPr>
-              <a:t>7/30/25</a:t>
+              <a:t>7/31/25</a:t>
             </a:fld>
             <a:endParaRPr lang="en-US"/>
           </a:p>
@@ -3561,7 +3561,7 @@
               <a:pPr>
                 <a:defRPr/>
               </a:pPr>
-              <a:t>7/30/25</a:t>
+              <a:t>7/31/25</a:t>
             </a:fld>
             <a:endParaRPr lang="en-US"/>
           </a:p>
@@ -3861,7 +3861,7 @@
               <a:pPr>
                 <a:defRPr/>
               </a:pPr>
-              <a:t>7/30/25</a:t>
+              <a:t>7/31/25</a:t>
             </a:fld>
             <a:endParaRPr lang="en-US"/>
           </a:p>
@@ -4144,7 +4144,7 @@
               <a:pPr>
                 <a:defRPr/>
               </a:pPr>
-              <a:t>7/30/25</a:t>
+              <a:t>7/31/25</a:t>
             </a:fld>
             <a:endParaRPr lang="en-US"/>
           </a:p>
@@ -4364,7 +4364,7 @@
               <a:pPr>
                 <a:defRPr/>
               </a:pPr>
-              <a:t>7/30/25</a:t>
+              <a:t>7/31/25</a:t>
             </a:fld>
             <a:endParaRPr lang="en-US"/>
           </a:p>
@@ -5358,47 +5358,42 @@
         </p:nvSpPr>
         <p:spPr>
           <a:xfrm>
-            <a:off x="457200" y="1316157"/>
-            <a:ext cx="8229600" cy="3408528"/>
+            <a:off x="457199" y="1316157"/>
+            <a:ext cx="8622145" cy="3408528"/>
           </a:xfrm>
         </p:spPr>
         <p:txBody>
-          <a:bodyPr/>
+          <a:bodyPr>
+            <a:normAutofit/>
+          </a:bodyPr>
           <a:lstStyle/>
           <a:p>
             <a:r>
               <a:rPr lang="en-US" dirty="0"/>
-              <a:t>Where to have discussions ???</a:t>
-            </a:r>
-          </a:p>
-          <a:p>
-            <a:pPr>
-              <a:spcBef>
-                <a:spcPts val="3672"/>
-              </a:spcBef>
-            </a:pPr>
-            <a:r>
-              <a:rPr lang="en-US" dirty="0"/>
-              <a:t>Hand Sanitizer dispensers are provided </a:t>
+              <a:t>We are currently on the 3rd floor.</a:t>
             </a:r>
             <a:br>
               <a:rPr lang="en-US" dirty="0"/>
             </a:br>
             <a:r>
               <a:rPr lang="en-US" dirty="0"/>
-              <a:t>throughout the conference venue ???</a:t>
-            </a:r>
-          </a:p>
-          <a:p>
-            <a:pPr>
-              <a:spcBef>
-                <a:spcPts val="3672"/>
-              </a:spcBef>
+              <a:t>Restrooms are located on the 2nd, 4th and 5th floors.</a:t>
+            </a:r>
+          </a:p>
+          <a:p>
+            <a:endParaRPr lang="en-US" dirty="0"/>
+          </a:p>
+          <a:p>
+            <a:r>
+              <a:rPr lang="en-US" dirty="0"/>
+              <a:t>Hallway track: downstairs at the outdoor plazas; benches &amp; picnic tables on the west side. </a:t>
+            </a:r>
+          </a:p>
+          <a:p>
+            <a:pPr marL="0" indent="0">
+              <a:buNone/>
             </a:pPr>
-            <a:r>
-              <a:rPr lang="en-US" dirty="0"/>
-              <a:t>Anything else??</a:t>
-            </a:r>
+            <a:endParaRPr lang="en-US" dirty="0"/>
           </a:p>
         </p:txBody>
       </p:sp>
@@ -5517,7 +5512,23 @@
                   <a:schemeClr val="tx1"/>
                 </a:solidFill>
               </a:rPr>
-              <a:t>Aniket Kate, session chair</a:t>
+              <a:t>Aniket Kate</a:t>
+            </a:r>
+            <a:r>
+              <a:rPr lang="en-US">
+                <a:solidFill>
+                  <a:schemeClr val="tx1"/>
+                </a:solidFill>
+              </a:rPr>
+              <a:t>,  session </a:t>
+            </a:r>
+            <a:r>
+              <a:rPr lang="en-US" dirty="0">
+                <a:solidFill>
+                  <a:schemeClr val="tx1"/>
+                </a:solidFill>
+              </a:rPr>
+              <a:t>chair</a:t>
             </a:r>
           </a:p>
         </p:txBody>
@@ -6210,8 +6221,8 @@
         </p:nvSpPr>
         <p:spPr>
           <a:xfrm>
-            <a:off x="322734" y="4504687"/>
-            <a:ext cx="8437217" cy="461665"/>
+            <a:off x="322734" y="4541631"/>
+            <a:ext cx="8821266" cy="461665"/>
           </a:xfrm>
           <a:prstGeom prst="rect">
             <a:avLst/>
@@ -6237,7 +6248,7 @@
               <a:rPr lang="en-US" dirty="0">
                 <a:latin typeface="+mn-lt"/>
               </a:rPr>
-              <a:t>July 2026.       Submission site:  </a:t>
+              <a:t>July 27-31, 2026.     Submission site:  </a:t>
             </a:r>
             <a:r>
               <a:rPr lang="en-US" b="1" dirty="0">
@@ -8486,27 +8497,41 @@
               <a:rPr lang="en-US" dirty="0"/>
               <a:t>Local arrangements:  </a:t>
             </a:r>
+          </a:p>
+          <a:p>
+            <a:pPr marL="0" indent="0">
+              <a:lnSpc>
+                <a:spcPct val="150000"/>
+              </a:lnSpc>
+              <a:buNone/>
+            </a:pPr>
             <a:r>
               <a:rPr lang="en-US" b="1" dirty="0"/>
-              <a:t>Jocelyn Weber  and  Karin Bauer </a:t>
+              <a:t>		Jocelyn Weber,   Karin Bauer,   Kenna Thorn, </a:t>
             </a:r>
             <a:br>
-              <a:rPr lang="en-US" dirty="0"/>
+              <a:rPr lang="en-US" b="1" dirty="0"/>
             </a:br>
             <a:r>
-              <a:rPr lang="en-US" dirty="0"/>
-              <a:t>		</a:t>
-            </a:r>
-            <a:endParaRPr lang="en-US" b="1" dirty="0"/>
+              <a:rPr lang="en-US" b="1" dirty="0"/>
+              <a:t>		Emily Fisher-Bunker,    Jennifer Liu</a:t>
+            </a:r>
           </a:p>
           <a:p>
             <a:pPr marL="0" indent="0">
               <a:buNone/>
             </a:pPr>
+            <a:endParaRPr lang="en-US" b="1" dirty="0"/>
+          </a:p>
+          <a:p>
+            <a:pPr marL="0" indent="0">
+              <a:buNone/>
+            </a:pPr>
             <a:r>
               <a:rPr lang="en-US" dirty="0"/>
-              <a:t>		</a:t>
-            </a:r>
+              <a:t>		Berkeley Event Services, AV &amp; Catering</a:t>
+            </a:r>
+            <a:endParaRPr lang="en-US" b="1" dirty="0"/>
           </a:p>
         </p:txBody>
       </p:sp>
@@ -8585,6 +8610,142 @@
           </a:p>
         </p:txBody>
       </p:sp>
+      <p:pic>
+        <p:nvPicPr>
+          <p:cNvPr id="2" name="Picture 1">
+            <a:extLst>
+              <a:ext uri="{FF2B5EF4-FFF2-40B4-BE49-F238E27FC236}">
+                <a16:creationId xmlns:a16="http://schemas.microsoft.com/office/drawing/2014/main" id="{CF585339-6251-3604-3355-8ABBC797846C}"/>
+              </a:ext>
+            </a:extLst>
+          </p:cNvPr>
+          <p:cNvPicPr>
+            <a:picLocks noChangeAspect="1"/>
+          </p:cNvPicPr>
+          <p:nvPr/>
+        </p:nvPicPr>
+        <p:blipFill>
+          <a:blip r:embed="rId2"/>
+          <a:stretch>
+            <a:fillRect/>
+          </a:stretch>
+        </p:blipFill>
+        <p:spPr>
+          <a:xfrm>
+            <a:off x="1154544" y="1110674"/>
+            <a:ext cx="7303655" cy="4032825"/>
+          </a:xfrm>
+          <a:prstGeom prst="rect">
+            <a:avLst/>
+          </a:prstGeom>
+        </p:spPr>
+      </p:pic>
+      <p:sp>
+        <p:nvSpPr>
+          <p:cNvPr id="3" name="Donut 2">
+            <a:extLst>
+              <a:ext uri="{FF2B5EF4-FFF2-40B4-BE49-F238E27FC236}">
+                <a16:creationId xmlns:a16="http://schemas.microsoft.com/office/drawing/2014/main" id="{803CE464-0B4C-CAC1-AF7F-4BF693E4F3EE}"/>
+              </a:ext>
+            </a:extLst>
+          </p:cNvPr>
+          <p:cNvSpPr/>
+          <p:nvPr/>
+        </p:nvSpPr>
+        <p:spPr>
+          <a:xfrm>
+            <a:off x="5661892" y="1958108"/>
+            <a:ext cx="637309" cy="613642"/>
+          </a:xfrm>
+          <a:prstGeom prst="donut">
+            <a:avLst>
+              <a:gd name="adj" fmla="val 15161"/>
+            </a:avLst>
+          </a:prstGeom>
+          <a:solidFill>
+            <a:schemeClr val="accent2"/>
+          </a:solidFill>
+        </p:spPr>
+        <p:style>
+          <a:lnRef idx="1">
+            <a:schemeClr val="accent1"/>
+          </a:lnRef>
+          <a:fillRef idx="3">
+            <a:schemeClr val="accent1"/>
+          </a:fillRef>
+          <a:effectRef idx="2">
+            <a:schemeClr val="accent1"/>
+          </a:effectRef>
+          <a:fontRef idx="minor">
+            <a:schemeClr val="lt1"/>
+          </a:fontRef>
+        </p:style>
+        <p:txBody>
+          <a:bodyPr rtlCol="0" anchor="ctr"/>
+          <a:lstStyle/>
+          <a:p>
+            <a:pPr algn="ctr"/>
+            <a:endParaRPr lang="en-US">
+              <a:solidFill>
+                <a:schemeClr val="tx1"/>
+              </a:solidFill>
+            </a:endParaRPr>
+          </a:p>
+        </p:txBody>
+      </p:sp>
+      <p:sp>
+        <p:nvSpPr>
+          <p:cNvPr id="4" name="Donut 3">
+            <a:extLst>
+              <a:ext uri="{FF2B5EF4-FFF2-40B4-BE49-F238E27FC236}">
+                <a16:creationId xmlns:a16="http://schemas.microsoft.com/office/drawing/2014/main" id="{8BA221BB-850B-0710-B6AA-1C8A37E0DB0A}"/>
+              </a:ext>
+            </a:extLst>
+          </p:cNvPr>
+          <p:cNvSpPr/>
+          <p:nvPr/>
+        </p:nvSpPr>
+        <p:spPr>
+          <a:xfrm>
+            <a:off x="4515424" y="3495962"/>
+            <a:ext cx="637309" cy="613642"/>
+          </a:xfrm>
+          <a:prstGeom prst="donut">
+            <a:avLst>
+              <a:gd name="adj" fmla="val 15161"/>
+            </a:avLst>
+          </a:prstGeom>
+          <a:solidFill>
+            <a:schemeClr val="accent2"/>
+          </a:solidFill>
+        </p:spPr>
+        <p:style>
+          <a:lnRef idx="1">
+            <a:schemeClr val="accent1"/>
+          </a:lnRef>
+          <a:fillRef idx="3">
+            <a:schemeClr val="accent1"/>
+          </a:fillRef>
+          <a:effectRef idx="2">
+            <a:schemeClr val="accent1"/>
+          </a:effectRef>
+          <a:fontRef idx="minor">
+            <a:schemeClr val="lt1"/>
+          </a:fontRef>
+        </p:style>
+        <p:txBody>
+          <a:bodyPr rtlCol="0" anchor="ctr"/>
+          <a:lstStyle/>
+          <a:p>
+            <a:pPr algn="ctr"/>
+            <a:endParaRPr lang="en-US">
+              <a:solidFill>
+                <a:schemeClr val="tx1"/>
+              </a:solidFill>
+            </a:endParaRPr>
+          </a:p>
+        </p:txBody>
+      </p:sp>
     </p:spTree>
     <p:extLst>
       <p:ext uri="{BB962C8B-B14F-4D97-AF65-F5344CB8AC3E}">
@@ -8595,6 +8756,222 @@
   <p:clrMapOvr>
     <a:masterClrMapping/>
   </p:clrMapOvr>
+  <p:timing>
+    <p:tnLst>
+      <p:par>
+        <p:cTn id="1" dur="indefinite" restart="never" nodeType="tmRoot">
+          <p:childTnLst>
+            <p:seq concurrent="1" nextAc="seek">
+              <p:cTn id="2" dur="indefinite" nodeType="mainSeq">
+                <p:childTnLst>
+                  <p:par>
+                    <p:cTn id="3" fill="hold">
+                      <p:stCondLst>
+                        <p:cond delay="indefinite"/>
+                      </p:stCondLst>
+                      <p:childTnLst>
+                        <p:par>
+                          <p:cTn id="4" fill="hold">
+                            <p:stCondLst>
+                              <p:cond delay="0"/>
+                            </p:stCondLst>
+                            <p:childTnLst>
+                              <p:par>
+                                <p:cTn id="5" presetID="23" presetClass="entr" presetSubtype="32" fill="hold" grpId="0" nodeType="clickEffect">
+                                  <p:stCondLst>
+                                    <p:cond delay="0"/>
+                                  </p:stCondLst>
+                                  <p:childTnLst>
+                                    <p:set>
+                                      <p:cBhvr>
+                                        <p:cTn id="6" dur="1" fill="hold">
+                                          <p:stCondLst>
+                                            <p:cond delay="0"/>
+                                          </p:stCondLst>
+                                        </p:cTn>
+                                        <p:tgtEl>
+                                          <p:spTgt spid="3"/>
+                                        </p:tgtEl>
+                                        <p:attrNameLst>
+                                          <p:attrName>style.visibility</p:attrName>
+                                        </p:attrNameLst>
+                                      </p:cBhvr>
+                                      <p:to>
+                                        <p:strVal val="visible"/>
+                                      </p:to>
+                                    </p:set>
+                                    <p:anim calcmode="lin" valueType="num">
+                                      <p:cBhvr>
+                                        <p:cTn id="7" dur="500" fill="hold"/>
+                                        <p:tgtEl>
+                                          <p:spTgt spid="3"/>
+                                        </p:tgtEl>
+                                        <p:attrNameLst>
+                                          <p:attrName>ppt_w</p:attrName>
+                                        </p:attrNameLst>
+                                      </p:cBhvr>
+                                      <p:tavLst>
+                                        <p:tav tm="0">
+                                          <p:val>
+                                            <p:strVal val="4*#ppt_w"/>
+                                          </p:val>
+                                        </p:tav>
+                                        <p:tav tm="100000">
+                                          <p:val>
+                                            <p:strVal val="#ppt_w"/>
+                                          </p:val>
+                                        </p:tav>
+                                      </p:tavLst>
+                                    </p:anim>
+                                    <p:anim calcmode="lin" valueType="num">
+                                      <p:cBhvr>
+                                        <p:cTn id="8" dur="500" fill="hold"/>
+                                        <p:tgtEl>
+                                          <p:spTgt spid="3"/>
+                                        </p:tgtEl>
+                                        <p:attrNameLst>
+                                          <p:attrName>ppt_h</p:attrName>
+                                        </p:attrNameLst>
+                                      </p:cBhvr>
+                                      <p:tavLst>
+                                        <p:tav tm="0">
+                                          <p:val>
+                                            <p:strVal val="4*#ppt_h"/>
+                                          </p:val>
+                                        </p:tav>
+                                        <p:tav tm="100000">
+                                          <p:val>
+                                            <p:strVal val="#ppt_h"/>
+                                          </p:val>
+                                        </p:tav>
+                                      </p:tavLst>
+                                    </p:anim>
+                                  </p:childTnLst>
+                                </p:cTn>
+                              </p:par>
+                            </p:childTnLst>
+                          </p:cTn>
+                        </p:par>
+                      </p:childTnLst>
+                    </p:cTn>
+                  </p:par>
+                  <p:par>
+                    <p:cTn id="9" fill="hold">
+                      <p:stCondLst>
+                        <p:cond delay="indefinite"/>
+                      </p:stCondLst>
+                      <p:childTnLst>
+                        <p:par>
+                          <p:cTn id="10" fill="hold">
+                            <p:stCondLst>
+                              <p:cond delay="0"/>
+                            </p:stCondLst>
+                            <p:childTnLst>
+                              <p:par>
+                                <p:cTn id="11" presetID="23" presetClass="entr" presetSubtype="32" fill="hold" grpId="0" nodeType="clickEffect">
+                                  <p:stCondLst>
+                                    <p:cond delay="0"/>
+                                  </p:stCondLst>
+                                  <p:childTnLst>
+                                    <p:set>
+                                      <p:cBhvr>
+                                        <p:cTn id="12" dur="1" fill="hold">
+                                          <p:stCondLst>
+                                            <p:cond delay="0"/>
+                                          </p:stCondLst>
+                                        </p:cTn>
+                                        <p:tgtEl>
+                                          <p:spTgt spid="4"/>
+                                        </p:tgtEl>
+                                        <p:attrNameLst>
+                                          <p:attrName>style.visibility</p:attrName>
+                                        </p:attrNameLst>
+                                      </p:cBhvr>
+                                      <p:to>
+                                        <p:strVal val="visible"/>
+                                      </p:to>
+                                    </p:set>
+                                    <p:anim calcmode="lin" valueType="num">
+                                      <p:cBhvr>
+                                        <p:cTn id="13" dur="500" fill="hold"/>
+                                        <p:tgtEl>
+                                          <p:spTgt spid="4"/>
+                                        </p:tgtEl>
+                                        <p:attrNameLst>
+                                          <p:attrName>ppt_w</p:attrName>
+                                        </p:attrNameLst>
+                                      </p:cBhvr>
+                                      <p:tavLst>
+                                        <p:tav tm="0">
+                                          <p:val>
+                                            <p:strVal val="4*#ppt_w"/>
+                                          </p:val>
+                                        </p:tav>
+                                        <p:tav tm="100000">
+                                          <p:val>
+                                            <p:strVal val="#ppt_w"/>
+                                          </p:val>
+                                        </p:tav>
+                                      </p:tavLst>
+                                    </p:anim>
+                                    <p:anim calcmode="lin" valueType="num">
+                                      <p:cBhvr>
+                                        <p:cTn id="14" dur="500" fill="hold"/>
+                                        <p:tgtEl>
+                                          <p:spTgt spid="4"/>
+                                        </p:tgtEl>
+                                        <p:attrNameLst>
+                                          <p:attrName>ppt_h</p:attrName>
+                                        </p:attrNameLst>
+                                      </p:cBhvr>
+                                      <p:tavLst>
+                                        <p:tav tm="0">
+                                          <p:val>
+                                            <p:strVal val="4*#ppt_h"/>
+                                          </p:val>
+                                        </p:tav>
+                                        <p:tav tm="100000">
+                                          <p:val>
+                                            <p:strVal val="#ppt_h"/>
+                                          </p:val>
+                                        </p:tav>
+                                      </p:tavLst>
+                                    </p:anim>
+                                  </p:childTnLst>
+                                </p:cTn>
+                              </p:par>
+                            </p:childTnLst>
+                          </p:cTn>
+                        </p:par>
+                      </p:childTnLst>
+                    </p:cTn>
+                  </p:par>
+                </p:childTnLst>
+              </p:cTn>
+              <p:prevCondLst>
+                <p:cond evt="onPrev" delay="0">
+                  <p:tgtEl>
+                    <p:sldTgt/>
+                  </p:tgtEl>
+                </p:cond>
+              </p:prevCondLst>
+              <p:nextCondLst>
+                <p:cond evt="onNext" delay="0">
+                  <p:tgtEl>
+                    <p:sldTgt/>
+                  </p:tgtEl>
+                </p:cond>
+              </p:nextCondLst>
+            </p:seq>
+          </p:childTnLst>
+        </p:cTn>
+      </p:par>
+    </p:tnLst>
+    <p:bldLst>
+      <p:bldP spid="3" grpId="0" animBg="1"/>
+      <p:bldP spid="4" grpId="0" animBg="1"/>
+    </p:bldLst>
+  </p:timing>
 </p:sld>
 </file>
 
@@ -8651,8 +9028,8 @@
         </p:nvSpPr>
         <p:spPr>
           <a:xfrm>
-            <a:off x="152191" y="1020318"/>
-            <a:ext cx="8866367" cy="4123182"/>
+            <a:off x="96775" y="1020318"/>
+            <a:ext cx="9148827" cy="4123182"/>
           </a:xfrm>
         </p:spPr>
         <p:txBody>
@@ -8674,7 +9051,7 @@
             </a:pPr>
             <a:r>
               <a:rPr lang="en-US" dirty="0"/>
-              <a:t>Lunch at around 12:10pm outside this room.</a:t>
+              <a:t>Lunch at around 12:10pm: adjacent patio on the west side</a:t>
             </a:r>
           </a:p>
           <a:p>
@@ -8685,7 +9062,7 @@
             </a:pPr>
             <a:r>
               <a:rPr lang="en-US" dirty="0"/>
-              <a:t>Tonight:  reception here at 5pm</a:t>
+              <a:t>Tonight:  reception at 5pm, same place as the lunch</a:t>
             </a:r>
           </a:p>
           <a:p>

--- a/welcome-2025.pptx
+++ b/welcome-2025.pptx
@@ -5,10 +5,10 @@
     <p:sldMasterId id="2147483648" r:id="rId1"/>
   </p:sldMasterIdLst>
   <p:notesMasterIdLst>
-    <p:notesMasterId r:id="rId13"/>
+    <p:notesMasterId r:id="rId16"/>
   </p:notesMasterIdLst>
   <p:handoutMasterIdLst>
-    <p:handoutMasterId r:id="rId14"/>
+    <p:handoutMasterId r:id="rId17"/>
   </p:handoutMasterIdLst>
   <p:sldIdLst>
     <p:sldId id="1286" r:id="rId2"/>
@@ -19,9 +19,12 @@
     <p:sldId id="1298" r:id="rId7"/>
     <p:sldId id="1304" r:id="rId8"/>
     <p:sldId id="1297" r:id="rId9"/>
-    <p:sldId id="1292" r:id="rId10"/>
-    <p:sldId id="1302" r:id="rId11"/>
-    <p:sldId id="1303" r:id="rId12"/>
+    <p:sldId id="260" r:id="rId10"/>
+    <p:sldId id="261" r:id="rId11"/>
+    <p:sldId id="262" r:id="rId12"/>
+    <p:sldId id="1292" r:id="rId13"/>
+    <p:sldId id="1302" r:id="rId14"/>
+    <p:sldId id="1303" r:id="rId15"/>
   </p:sldIdLst>
   <p:sldSz cx="9144000" cy="5143500" type="screen16x9"/>
   <p:notesSz cx="9144000" cy="6858000"/>
@@ -266,7 +269,7 @@
             <a:fld id="{7CB69C4B-EC5A-BA4C-B83C-9270746811F3}" type="datetimeFigureOut">
               <a:rPr lang="en-US" smtClean="0"/>
               <a:pPr/>
-              <a:t>7/31/25</a:t>
+              <a:t>8/4/25</a:t>
             </a:fld>
             <a:endParaRPr lang="en-US"/>
           </a:p>
@@ -461,7 +464,7 @@
               <a:pPr>
                 <a:defRPr/>
               </a:pPr>
-              <a:t>7/31/25</a:t>
+              <a:t>8/4/25</a:t>
             </a:fld>
             <a:endParaRPr lang="en-US"/>
           </a:p>
@@ -1235,6 +1238,318 @@
 </p:notes>
 </file>
 
+<file path=ppt/notesSlides/notesSlide5.xml><?xml version="1.0" encoding="utf-8"?>
+<p:notes xmlns:a="http://schemas.openxmlformats.org/drawingml/2006/main" xmlns:r="http://schemas.openxmlformats.org/officeDocument/2006/relationships" xmlns:p="http://schemas.openxmlformats.org/presentationml/2006/main" showMasterSp="0" showMasterPhAnim="0">
+  <p:cSld>
+    <p:spTree>
+      <p:nvGrpSpPr>
+        <p:cNvPr id="1" name="Shape 175"/>
+        <p:cNvGrpSpPr/>
+        <p:nvPr/>
+      </p:nvGrpSpPr>
+      <p:grpSpPr>
+        <a:xfrm>
+          <a:off x="0" y="0"/>
+          <a:ext cx="0" cy="0"/>
+          <a:chOff x="0" y="0"/>
+          <a:chExt cx="0" cy="0"/>
+        </a:xfrm>
+      </p:grpSpPr>
+      <p:sp>
+        <p:nvSpPr>
+          <p:cNvPr id="176" name="Google Shape;176;g34e7d097afd_2_83:notes"/>
+          <p:cNvSpPr txBox="1">
+            <a:spLocks noGrp="1"/>
+          </p:cNvSpPr>
+          <p:nvPr>
+            <p:ph type="body" idx="1"/>
+          </p:nvPr>
+        </p:nvSpPr>
+        <p:spPr>
+          <a:xfrm>
+            <a:off x="685800" y="4343400"/>
+            <a:ext cx="5486400" cy="4114800"/>
+          </a:xfrm>
+          <a:prstGeom prst="rect">
+            <a:avLst/>
+          </a:prstGeom>
+        </p:spPr>
+        <p:txBody>
+          <a:bodyPr spcFirstLastPara="1" wrap="square" lIns="91425" tIns="91425" rIns="91425" bIns="91425" anchor="t" anchorCtr="0">
+            <a:noAutofit/>
+          </a:bodyPr>
+          <a:lstStyle/>
+          <a:p>
+            <a:pPr marL="0" lvl="0" indent="0" algn="l" rtl="0">
+              <a:spcBef>
+                <a:spcPts val="0"/>
+              </a:spcBef>
+              <a:spcAft>
+                <a:spcPts val="0"/>
+              </a:spcAft>
+              <a:buNone/>
+            </a:pPr>
+            <a:endParaRPr/>
+          </a:p>
+        </p:txBody>
+      </p:sp>
+      <p:sp>
+        <p:nvSpPr>
+          <p:cNvPr id="177" name="Google Shape;177;g34e7d097afd_2_83:notes"/>
+          <p:cNvSpPr>
+            <a:spLocks noGrp="1" noRot="1" noChangeAspect="1"/>
+          </p:cNvSpPr>
+          <p:nvPr>
+            <p:ph type="sldImg" idx="2"/>
+          </p:nvPr>
+        </p:nvSpPr>
+        <p:spPr>
+          <a:xfrm>
+            <a:off x="1143225" y="685800"/>
+            <a:ext cx="4572225" cy="3429000"/>
+          </a:xfrm>
+          <a:custGeom>
+            <a:avLst/>
+            <a:gdLst/>
+            <a:ahLst/>
+            <a:cxnLst/>
+            <a:rect l="l" t="t" r="r" b="b"/>
+            <a:pathLst>
+              <a:path w="120000" h="120000" extrusionOk="0">
+                <a:moveTo>
+                  <a:pt x="0" y="0"/>
+                </a:moveTo>
+                <a:lnTo>
+                  <a:pt x="120000" y="0"/>
+                </a:lnTo>
+                <a:lnTo>
+                  <a:pt x="120000" y="120000"/>
+                </a:lnTo>
+                <a:lnTo>
+                  <a:pt x="0" y="120000"/>
+                </a:lnTo>
+                <a:close/>
+              </a:path>
+            </a:pathLst>
+          </a:custGeom>
+        </p:spPr>
+      </p:sp>
+    </p:spTree>
+  </p:cSld>
+  <p:clrMapOvr>
+    <a:masterClrMapping/>
+  </p:clrMapOvr>
+</p:notes>
+</file>
+
+<file path=ppt/notesSlides/notesSlide6.xml><?xml version="1.0" encoding="utf-8"?>
+<p:notes xmlns:a="http://schemas.openxmlformats.org/drawingml/2006/main" xmlns:r="http://schemas.openxmlformats.org/officeDocument/2006/relationships" xmlns:p="http://schemas.openxmlformats.org/presentationml/2006/main" showMasterSp="0" showMasterPhAnim="0">
+  <p:cSld>
+    <p:spTree>
+      <p:nvGrpSpPr>
+        <p:cNvPr id="1" name="Shape 182"/>
+        <p:cNvGrpSpPr/>
+        <p:nvPr/>
+      </p:nvGrpSpPr>
+      <p:grpSpPr>
+        <a:xfrm>
+          <a:off x="0" y="0"/>
+          <a:ext cx="0" cy="0"/>
+          <a:chOff x="0" y="0"/>
+          <a:chExt cx="0" cy="0"/>
+        </a:xfrm>
+      </p:grpSpPr>
+      <p:sp>
+        <p:nvSpPr>
+          <p:cNvPr id="183" name="Google Shape;183;g34e7d097afd_2_89:notes"/>
+          <p:cNvSpPr txBox="1">
+            <a:spLocks noGrp="1"/>
+          </p:cNvSpPr>
+          <p:nvPr>
+            <p:ph type="body" idx="1"/>
+          </p:nvPr>
+        </p:nvSpPr>
+        <p:spPr>
+          <a:xfrm>
+            <a:off x="685800" y="4343400"/>
+            <a:ext cx="5486400" cy="4114800"/>
+          </a:xfrm>
+          <a:prstGeom prst="rect">
+            <a:avLst/>
+          </a:prstGeom>
+        </p:spPr>
+        <p:txBody>
+          <a:bodyPr spcFirstLastPara="1" wrap="square" lIns="91425" tIns="91425" rIns="91425" bIns="91425" anchor="t" anchorCtr="0">
+            <a:noAutofit/>
+          </a:bodyPr>
+          <a:lstStyle/>
+          <a:p>
+            <a:pPr marL="0" lvl="0" indent="0" algn="l" rtl="0">
+              <a:spcBef>
+                <a:spcPts val="0"/>
+              </a:spcBef>
+              <a:spcAft>
+                <a:spcPts val="0"/>
+              </a:spcAft>
+              <a:buNone/>
+            </a:pPr>
+            <a:endParaRPr/>
+          </a:p>
+        </p:txBody>
+      </p:sp>
+      <p:sp>
+        <p:nvSpPr>
+          <p:cNvPr id="184" name="Google Shape;184;g34e7d097afd_2_89:notes"/>
+          <p:cNvSpPr>
+            <a:spLocks noGrp="1" noRot="1" noChangeAspect="1"/>
+          </p:cNvSpPr>
+          <p:nvPr>
+            <p:ph type="sldImg" idx="2"/>
+          </p:nvPr>
+        </p:nvSpPr>
+        <p:spPr>
+          <a:xfrm>
+            <a:off x="1143225" y="685800"/>
+            <a:ext cx="4572225" cy="3429000"/>
+          </a:xfrm>
+          <a:custGeom>
+            <a:avLst/>
+            <a:gdLst/>
+            <a:ahLst/>
+            <a:cxnLst/>
+            <a:rect l="l" t="t" r="r" b="b"/>
+            <a:pathLst>
+              <a:path w="120000" h="120000" extrusionOk="0">
+                <a:moveTo>
+                  <a:pt x="0" y="0"/>
+                </a:moveTo>
+                <a:lnTo>
+                  <a:pt x="120000" y="0"/>
+                </a:lnTo>
+                <a:lnTo>
+                  <a:pt x="120000" y="120000"/>
+                </a:lnTo>
+                <a:lnTo>
+                  <a:pt x="0" y="120000"/>
+                </a:lnTo>
+                <a:close/>
+              </a:path>
+            </a:pathLst>
+          </a:custGeom>
+        </p:spPr>
+      </p:sp>
+    </p:spTree>
+  </p:cSld>
+  <p:clrMapOvr>
+    <a:masterClrMapping/>
+  </p:clrMapOvr>
+</p:notes>
+</file>
+
+<file path=ppt/notesSlides/notesSlide7.xml><?xml version="1.0" encoding="utf-8"?>
+<p:notes xmlns:a="http://schemas.openxmlformats.org/drawingml/2006/main" xmlns:r="http://schemas.openxmlformats.org/officeDocument/2006/relationships" xmlns:p="http://schemas.openxmlformats.org/presentationml/2006/main" showMasterSp="0" showMasterPhAnim="0">
+  <p:cSld>
+    <p:spTree>
+      <p:nvGrpSpPr>
+        <p:cNvPr id="1" name="Shape 190"/>
+        <p:cNvGrpSpPr/>
+        <p:nvPr/>
+      </p:nvGrpSpPr>
+      <p:grpSpPr>
+        <a:xfrm>
+          <a:off x="0" y="0"/>
+          <a:ext cx="0" cy="0"/>
+          <a:chOff x="0" y="0"/>
+          <a:chExt cx="0" cy="0"/>
+        </a:xfrm>
+      </p:grpSpPr>
+      <p:sp>
+        <p:nvSpPr>
+          <p:cNvPr id="191" name="Google Shape;191;g34e7d097afd_2_139:notes"/>
+          <p:cNvSpPr txBox="1">
+            <a:spLocks noGrp="1"/>
+          </p:cNvSpPr>
+          <p:nvPr>
+            <p:ph type="body" idx="1"/>
+          </p:nvPr>
+        </p:nvSpPr>
+        <p:spPr>
+          <a:xfrm>
+            <a:off x="685800" y="4343400"/>
+            <a:ext cx="5486400" cy="4114800"/>
+          </a:xfrm>
+          <a:prstGeom prst="rect">
+            <a:avLst/>
+          </a:prstGeom>
+        </p:spPr>
+        <p:txBody>
+          <a:bodyPr spcFirstLastPara="1" wrap="square" lIns="91425" tIns="91425" rIns="91425" bIns="91425" anchor="t" anchorCtr="0">
+            <a:noAutofit/>
+          </a:bodyPr>
+          <a:lstStyle/>
+          <a:p>
+            <a:pPr marL="0" lvl="0" indent="0" algn="l" rtl="0">
+              <a:spcBef>
+                <a:spcPts val="0"/>
+              </a:spcBef>
+              <a:spcAft>
+                <a:spcPts val="0"/>
+              </a:spcAft>
+              <a:buNone/>
+            </a:pPr>
+            <a:endParaRPr/>
+          </a:p>
+        </p:txBody>
+      </p:sp>
+      <p:sp>
+        <p:nvSpPr>
+          <p:cNvPr id="192" name="Google Shape;192;g34e7d097afd_2_139:notes"/>
+          <p:cNvSpPr>
+            <a:spLocks noGrp="1" noRot="1" noChangeAspect="1"/>
+          </p:cNvSpPr>
+          <p:nvPr>
+            <p:ph type="sldImg" idx="2"/>
+          </p:nvPr>
+        </p:nvSpPr>
+        <p:spPr>
+          <a:xfrm>
+            <a:off x="1143225" y="685800"/>
+            <a:ext cx="4572225" cy="3429000"/>
+          </a:xfrm>
+          <a:custGeom>
+            <a:avLst/>
+            <a:gdLst/>
+            <a:ahLst/>
+            <a:cxnLst/>
+            <a:rect l="l" t="t" r="r" b="b"/>
+            <a:pathLst>
+              <a:path w="120000" h="120000" extrusionOk="0">
+                <a:moveTo>
+                  <a:pt x="0" y="0"/>
+                </a:moveTo>
+                <a:lnTo>
+                  <a:pt x="120000" y="0"/>
+                </a:lnTo>
+                <a:lnTo>
+                  <a:pt x="120000" y="120000"/>
+                </a:lnTo>
+                <a:lnTo>
+                  <a:pt x="0" y="120000"/>
+                </a:lnTo>
+                <a:close/>
+              </a:path>
+            </a:pathLst>
+          </a:custGeom>
+        </p:spPr>
+      </p:sp>
+    </p:spTree>
+  </p:cSld>
+  <p:clrMapOvr>
+    <a:masterClrMapping/>
+  </p:clrMapOvr>
+</p:notes>
+</file>
+
 <file path=ppt/slideLayouts/slideLayout1.xml><?xml version="1.0" encoding="utf-8"?>
 <p:sldLayout xmlns:a="http://schemas.openxmlformats.org/drawingml/2006/main" xmlns:r="http://schemas.openxmlformats.org/officeDocument/2006/relationships" xmlns:p="http://schemas.openxmlformats.org/presentationml/2006/main" type="title" preserve="1">
   <p:cSld name="Title Slide">
@@ -1397,7 +1712,7 @@
               <a:pPr>
                 <a:defRPr/>
               </a:pPr>
-              <a:t>7/31/25</a:t>
+              <a:t>8/4/25</a:t>
             </a:fld>
             <a:endParaRPr lang="en-US"/>
           </a:p>
@@ -1683,7 +1998,7 @@
               <a:pPr>
                 <a:defRPr/>
               </a:pPr>
-              <a:t>7/31/25</a:t>
+              <a:t>8/4/25</a:t>
             </a:fld>
             <a:endParaRPr lang="en-US"/>
           </a:p>
@@ -1886,7 +2201,7 @@
               <a:pPr>
                 <a:defRPr/>
               </a:pPr>
-              <a:t>7/31/25</a:t>
+              <a:t>8/4/25</a:t>
             </a:fld>
             <a:endParaRPr lang="en-US"/>
           </a:p>
@@ -2206,7 +2521,7 @@
               <a:pPr>
                 <a:defRPr/>
               </a:pPr>
-              <a:t>7/31/25</a:t>
+              <a:t>8/4/25</a:t>
             </a:fld>
             <a:endParaRPr lang="en-US"/>
           </a:p>
@@ -2476,7 +2791,7 @@
               <a:pPr>
                 <a:defRPr/>
               </a:pPr>
-              <a:t>7/31/25</a:t>
+              <a:t>8/4/25</a:t>
             </a:fld>
             <a:endParaRPr lang="en-US"/>
           </a:p>
@@ -2848,7 +3163,7 @@
               <a:pPr>
                 <a:defRPr/>
               </a:pPr>
-              <a:t>7/31/25</a:t>
+              <a:t>8/4/25</a:t>
             </a:fld>
             <a:endParaRPr lang="en-US"/>
           </a:p>
@@ -3297,7 +3612,7 @@
               <a:pPr>
                 <a:defRPr/>
               </a:pPr>
-              <a:t>7/31/25</a:t>
+              <a:t>8/4/25</a:t>
             </a:fld>
             <a:endParaRPr lang="en-US"/>
           </a:p>
@@ -3444,7 +3759,7 @@
               <a:pPr>
                 <a:defRPr/>
               </a:pPr>
-              <a:t>7/31/25</a:t>
+              <a:t>8/4/25</a:t>
             </a:fld>
             <a:endParaRPr lang="en-US"/>
           </a:p>
@@ -3561,7 +3876,7 @@
               <a:pPr>
                 <a:defRPr/>
               </a:pPr>
-              <a:t>7/31/25</a:t>
+              <a:t>8/4/25</a:t>
             </a:fld>
             <a:endParaRPr lang="en-US"/>
           </a:p>
@@ -3861,7 +4176,7 @@
               <a:pPr>
                 <a:defRPr/>
               </a:pPr>
-              <a:t>7/31/25</a:t>
+              <a:t>8/4/25</a:t>
             </a:fld>
             <a:endParaRPr lang="en-US"/>
           </a:p>
@@ -4144,7 +4459,7 @@
               <a:pPr>
                 <a:defRPr/>
               </a:pPr>
-              <a:t>7/31/25</a:t>
+              <a:t>8/4/25</a:t>
             </a:fld>
             <a:endParaRPr lang="en-US"/>
           </a:p>
@@ -4364,7 +4679,7 @@
               <a:pPr>
                 <a:defRPr/>
               </a:pPr>
-              <a:t>7/31/25</a:t>
+              <a:t>8/4/25</a:t>
             </a:fld>
             <a:endParaRPr lang="en-US"/>
           </a:p>
@@ -5298,6 +5613,2005 @@
   <p:cSld>
     <p:spTree>
       <p:nvGrpSpPr>
+        <p:cNvPr id="1" name="Shape 185"/>
+        <p:cNvGrpSpPr/>
+        <p:nvPr/>
+      </p:nvGrpSpPr>
+      <p:grpSpPr>
+        <a:xfrm>
+          <a:off x="0" y="0"/>
+          <a:ext cx="0" cy="0"/>
+          <a:chOff x="0" y="0"/>
+          <a:chExt cx="0" cy="0"/>
+        </a:xfrm>
+      </p:grpSpPr>
+      <p:sp>
+        <p:nvSpPr>
+          <p:cNvPr id="186" name="Google Shape;186;p33"/>
+          <p:cNvSpPr/>
+          <p:nvPr/>
+        </p:nvSpPr>
+        <p:spPr>
+          <a:xfrm>
+            <a:off x="514350" y="1692226"/>
+            <a:ext cx="7970457" cy="2522772"/>
+          </a:xfrm>
+          <a:custGeom>
+            <a:avLst/>
+            <a:gdLst/>
+            <a:ahLst/>
+            <a:cxnLst/>
+            <a:rect l="l" t="t" r="r" b="b"/>
+            <a:pathLst>
+              <a:path w="15940914" h="5045543" extrusionOk="0">
+                <a:moveTo>
+                  <a:pt x="0" y="0"/>
+                </a:moveTo>
+                <a:lnTo>
+                  <a:pt x="15940914" y="0"/>
+                </a:lnTo>
+                <a:lnTo>
+                  <a:pt x="15940914" y="5045543"/>
+                </a:lnTo>
+                <a:lnTo>
+                  <a:pt x="0" y="5045543"/>
+                </a:lnTo>
+                <a:lnTo>
+                  <a:pt x="0" y="0"/>
+                </a:lnTo>
+                <a:close/>
+              </a:path>
+            </a:pathLst>
+          </a:custGeom>
+          <a:blipFill rotWithShape="1">
+            <a:blip r:embed="rId3">
+              <a:alphaModFix/>
+            </a:blip>
+            <a:stretch>
+              <a:fillRect t="-3074"/>
+            </a:stretch>
+          </a:blipFill>
+          <a:ln>
+            <a:noFill/>
+          </a:ln>
+        </p:spPr>
+        <p:txBody>
+          <a:bodyPr/>
+          <a:lstStyle/>
+          <a:p>
+            <a:pPr marL="0" marR="0" lvl="0" indent="0" algn="l" defTabSz="914400" rtl="0" eaLnBrk="1" fontAlgn="auto" latinLnBrk="0" hangingPunct="1">
+              <a:lnSpc>
+                <a:spcPct val="100000"/>
+              </a:lnSpc>
+              <a:spcBef>
+                <a:spcPts val="0"/>
+              </a:spcBef>
+              <a:spcAft>
+                <a:spcPts val="0"/>
+              </a:spcAft>
+              <a:buClr>
+                <a:srgbClr val="000000"/>
+              </a:buClr>
+              <a:buSzTx/>
+              <a:buFont typeface="Arial"/>
+              <a:buNone/>
+              <a:tabLst/>
+              <a:defRPr/>
+            </a:pPr>
+            <a:endParaRPr kumimoji="0" lang="en-US" sz="1400" b="0" i="0" u="none" strike="noStrike" kern="0" cap="none" spc="0" normalizeH="0" baseline="0" noProof="0">
+              <a:ln>
+                <a:noFill/>
+              </a:ln>
+              <a:solidFill>
+                <a:srgbClr val="000000"/>
+              </a:solidFill>
+              <a:effectLst/>
+              <a:uLnTx/>
+              <a:uFillTx/>
+              <a:latin typeface="Arial"/>
+              <a:cs typeface="Arial"/>
+              <a:sym typeface="Arial"/>
+            </a:endParaRPr>
+          </a:p>
+        </p:txBody>
+      </p:sp>
+      <p:sp>
+        <p:nvSpPr>
+          <p:cNvPr id="187" name="Google Shape;187;p33"/>
+          <p:cNvSpPr txBox="1"/>
+          <p:nvPr/>
+        </p:nvSpPr>
+        <p:spPr>
+          <a:xfrm>
+            <a:off x="503435" y="461963"/>
+            <a:ext cx="7981372" cy="1243036"/>
+          </a:xfrm>
+          <a:prstGeom prst="rect">
+            <a:avLst/>
+          </a:prstGeom>
+          <a:noFill/>
+          <a:ln>
+            <a:noFill/>
+          </a:ln>
+        </p:spPr>
+        <p:txBody>
+          <a:bodyPr spcFirstLastPara="1" wrap="square" lIns="0" tIns="0" rIns="0" bIns="0" anchor="t" anchorCtr="0">
+            <a:spAutoFit/>
+          </a:bodyPr>
+          <a:lstStyle/>
+          <a:p>
+            <a:pPr marL="0" marR="0" lvl="0" indent="0" algn="l" defTabSz="914400" rtl="0" eaLnBrk="1" fontAlgn="auto" latinLnBrk="0" hangingPunct="1">
+              <a:lnSpc>
+                <a:spcPct val="140021"/>
+              </a:lnSpc>
+              <a:spcBef>
+                <a:spcPts val="0"/>
+              </a:spcBef>
+              <a:spcAft>
+                <a:spcPts val="0"/>
+              </a:spcAft>
+              <a:buClr>
+                <a:srgbClr val="000000"/>
+              </a:buClr>
+              <a:buSzTx/>
+              <a:buFont typeface="Arial"/>
+              <a:buNone/>
+              <a:tabLst/>
+              <a:defRPr/>
+            </a:pPr>
+            <a:r>
+              <a:rPr kumimoji="0" lang="en" sz="2400" b="1" i="0" u="none" strike="noStrike" kern="0" cap="none" spc="0" normalizeH="0" baseline="0" noProof="0">
+                <a:ln>
+                  <a:noFill/>
+                </a:ln>
+                <a:solidFill>
+                  <a:srgbClr val="2B2C30"/>
+                </a:solidFill>
+                <a:effectLst/>
+                <a:uLnTx/>
+                <a:uFillTx/>
+                <a:latin typeface="Public Sans"/>
+                <a:ea typeface="Public Sans"/>
+                <a:cs typeface="Public Sans"/>
+                <a:sym typeface="Public Sans"/>
+              </a:rPr>
+              <a:t>THREE PILLARS OF BERKELEY RDI, </a:t>
+            </a:r>
+            <a:endParaRPr kumimoji="0" sz="700" b="0" i="0" u="none" strike="noStrike" kern="0" cap="none" spc="0" normalizeH="0" baseline="0" noProof="0">
+              <a:ln>
+                <a:noFill/>
+              </a:ln>
+              <a:solidFill>
+                <a:srgbClr val="000000"/>
+              </a:solidFill>
+              <a:effectLst/>
+              <a:uLnTx/>
+              <a:uFillTx/>
+              <a:latin typeface="Arial"/>
+              <a:cs typeface="Arial"/>
+              <a:sym typeface="Arial"/>
+            </a:endParaRPr>
+          </a:p>
+          <a:p>
+            <a:pPr marL="0" marR="0" lvl="0" indent="0" algn="l" defTabSz="914400" rtl="0" eaLnBrk="1" fontAlgn="auto" latinLnBrk="0" hangingPunct="1">
+              <a:lnSpc>
+                <a:spcPct val="140021"/>
+              </a:lnSpc>
+              <a:spcBef>
+                <a:spcPts val="0"/>
+              </a:spcBef>
+              <a:spcAft>
+                <a:spcPts val="0"/>
+              </a:spcAft>
+              <a:buClr>
+                <a:srgbClr val="000000"/>
+              </a:buClr>
+              <a:buSzTx/>
+              <a:buFont typeface="Arial"/>
+              <a:buNone/>
+              <a:tabLst/>
+              <a:defRPr/>
+            </a:pPr>
+            <a:r>
+              <a:rPr kumimoji="0" lang="en" sz="2400" b="1" i="0" u="none" strike="noStrike" kern="0" cap="none" spc="0" normalizeH="0" baseline="0" noProof="0">
+                <a:ln>
+                  <a:noFill/>
+                </a:ln>
+                <a:solidFill>
+                  <a:srgbClr val="2B2C30"/>
+                </a:solidFill>
+                <a:effectLst/>
+                <a:uLnTx/>
+                <a:uFillTx/>
+                <a:latin typeface="Public Sans"/>
+                <a:ea typeface="Public Sans"/>
+                <a:cs typeface="Public Sans"/>
+                <a:sym typeface="Public Sans"/>
+              </a:rPr>
+              <a:t>AN INNOVATION CENTER</a:t>
+            </a:r>
+            <a:endParaRPr kumimoji="0" sz="700" b="0" i="0" u="none" strike="noStrike" kern="0" cap="none" spc="0" normalizeH="0" baseline="0" noProof="0">
+              <a:ln>
+                <a:noFill/>
+              </a:ln>
+              <a:solidFill>
+                <a:srgbClr val="000000"/>
+              </a:solidFill>
+              <a:effectLst/>
+              <a:uLnTx/>
+              <a:uFillTx/>
+              <a:latin typeface="Arial"/>
+              <a:cs typeface="Arial"/>
+              <a:sym typeface="Arial"/>
+            </a:endParaRPr>
+          </a:p>
+          <a:p>
+            <a:pPr marL="0" marR="0" lvl="0" indent="0" algn="l" defTabSz="914400" rtl="0" eaLnBrk="1" fontAlgn="auto" latinLnBrk="0" hangingPunct="1">
+              <a:lnSpc>
+                <a:spcPct val="140021"/>
+              </a:lnSpc>
+              <a:spcBef>
+                <a:spcPts val="0"/>
+              </a:spcBef>
+              <a:spcAft>
+                <a:spcPts val="0"/>
+              </a:spcAft>
+              <a:buClr>
+                <a:srgbClr val="000000"/>
+              </a:buClr>
+              <a:buSzTx/>
+              <a:buFont typeface="Arial"/>
+              <a:buNone/>
+              <a:tabLst/>
+              <a:defRPr/>
+            </a:pPr>
+            <a:endParaRPr kumimoji="0" sz="2400" b="1" i="0" u="none" strike="noStrike" kern="0" cap="none" spc="0" normalizeH="0" baseline="0" noProof="0">
+              <a:ln>
+                <a:noFill/>
+              </a:ln>
+              <a:solidFill>
+                <a:srgbClr val="2B2C30"/>
+              </a:solidFill>
+              <a:effectLst/>
+              <a:uLnTx/>
+              <a:uFillTx/>
+              <a:latin typeface="Public Sans"/>
+              <a:ea typeface="Public Sans"/>
+              <a:cs typeface="Public Sans"/>
+              <a:sym typeface="Public Sans"/>
+            </a:endParaRPr>
+          </a:p>
+        </p:txBody>
+      </p:sp>
+      <p:cxnSp>
+        <p:nvCxnSpPr>
+          <p:cNvPr id="188" name="Google Shape;188;p33"/>
+          <p:cNvCxnSpPr/>
+          <p:nvPr/>
+        </p:nvCxnSpPr>
+        <p:spPr>
+          <a:xfrm rot="10800000" flipH="1">
+            <a:off x="503470" y="1542331"/>
+            <a:ext cx="8115297" cy="19255"/>
+          </a:xfrm>
+          <a:prstGeom prst="straightConnector1">
+            <a:avLst/>
+          </a:prstGeom>
+          <a:noFill/>
+          <a:ln w="57150" cap="flat" cmpd="sng">
+            <a:solidFill>
+              <a:srgbClr val="2B2C30"/>
+            </a:solidFill>
+            <a:prstDash val="solid"/>
+            <a:round/>
+            <a:headEnd type="none" w="sm" len="sm"/>
+            <a:tailEnd type="none" w="sm" len="sm"/>
+          </a:ln>
+        </p:spPr>
+      </p:cxnSp>
+      <p:sp>
+        <p:nvSpPr>
+          <p:cNvPr id="189" name="Google Shape;189;p33"/>
+          <p:cNvSpPr/>
+          <p:nvPr/>
+        </p:nvSpPr>
+        <p:spPr>
+          <a:xfrm>
+            <a:off x="6162175" y="4329297"/>
+            <a:ext cx="2770577" cy="436803"/>
+          </a:xfrm>
+          <a:custGeom>
+            <a:avLst/>
+            <a:gdLst/>
+            <a:ahLst/>
+            <a:cxnLst/>
+            <a:rect l="l" t="t" r="r" b="b"/>
+            <a:pathLst>
+              <a:path w="5541154" h="873605" extrusionOk="0">
+                <a:moveTo>
+                  <a:pt x="0" y="0"/>
+                </a:moveTo>
+                <a:lnTo>
+                  <a:pt x="5541154" y="0"/>
+                </a:lnTo>
+                <a:lnTo>
+                  <a:pt x="5541154" y="873605"/>
+                </a:lnTo>
+                <a:lnTo>
+                  <a:pt x="0" y="873605"/>
+                </a:lnTo>
+                <a:lnTo>
+                  <a:pt x="0" y="0"/>
+                </a:lnTo>
+                <a:close/>
+              </a:path>
+            </a:pathLst>
+          </a:custGeom>
+          <a:blipFill rotWithShape="1">
+            <a:blip r:embed="rId4">
+              <a:alphaModFix/>
+            </a:blip>
+            <a:stretch>
+              <a:fillRect/>
+            </a:stretch>
+          </a:blipFill>
+          <a:ln>
+            <a:noFill/>
+          </a:ln>
+        </p:spPr>
+        <p:txBody>
+          <a:bodyPr/>
+          <a:lstStyle/>
+          <a:p>
+            <a:pPr marL="0" marR="0" lvl="0" indent="0" algn="l" defTabSz="914400" rtl="0" eaLnBrk="1" fontAlgn="auto" latinLnBrk="0" hangingPunct="1">
+              <a:lnSpc>
+                <a:spcPct val="100000"/>
+              </a:lnSpc>
+              <a:spcBef>
+                <a:spcPts val="0"/>
+              </a:spcBef>
+              <a:spcAft>
+                <a:spcPts val="0"/>
+              </a:spcAft>
+              <a:buClr>
+                <a:srgbClr val="000000"/>
+              </a:buClr>
+              <a:buSzTx/>
+              <a:buFont typeface="Arial"/>
+              <a:buNone/>
+              <a:tabLst/>
+              <a:defRPr/>
+            </a:pPr>
+            <a:endParaRPr kumimoji="0" lang="en-US" sz="1400" b="0" i="0" u="none" strike="noStrike" kern="0" cap="none" spc="0" normalizeH="0" baseline="0" noProof="0">
+              <a:ln>
+                <a:noFill/>
+              </a:ln>
+              <a:solidFill>
+                <a:srgbClr val="000000"/>
+              </a:solidFill>
+              <a:effectLst/>
+              <a:uLnTx/>
+              <a:uFillTx/>
+              <a:latin typeface="Arial"/>
+              <a:cs typeface="Arial"/>
+              <a:sym typeface="Arial"/>
+            </a:endParaRPr>
+          </a:p>
+        </p:txBody>
+      </p:sp>
+    </p:spTree>
+  </p:cSld>
+  <p:clrMapOvr>
+    <a:masterClrMapping/>
+  </p:clrMapOvr>
+</p:sld>
+</file>
+
+<file path=ppt/slides/slide11.xml><?xml version="1.0" encoding="utf-8"?>
+<p:sld xmlns:a="http://schemas.openxmlformats.org/drawingml/2006/main" xmlns:r="http://schemas.openxmlformats.org/officeDocument/2006/relationships" xmlns:p="http://schemas.openxmlformats.org/presentationml/2006/main">
+  <p:cSld>
+    <p:spTree>
+      <p:nvGrpSpPr>
+        <p:cNvPr id="1" name="Shape 193"/>
+        <p:cNvGrpSpPr/>
+        <p:nvPr/>
+      </p:nvGrpSpPr>
+      <p:grpSpPr>
+        <a:xfrm>
+          <a:off x="0" y="0"/>
+          <a:ext cx="0" cy="0"/>
+          <a:chOff x="0" y="0"/>
+          <a:chExt cx="0" cy="0"/>
+        </a:xfrm>
+      </p:grpSpPr>
+      <p:sp>
+        <p:nvSpPr>
+          <p:cNvPr id="194" name="Google Shape;194;p34"/>
+          <p:cNvSpPr txBox="1"/>
+          <p:nvPr/>
+        </p:nvSpPr>
+        <p:spPr>
+          <a:xfrm>
+            <a:off x="503435" y="471488"/>
+            <a:ext cx="8115300" cy="292500"/>
+          </a:xfrm>
+          <a:prstGeom prst="rect">
+            <a:avLst/>
+          </a:prstGeom>
+          <a:noFill/>
+          <a:ln>
+            <a:noFill/>
+          </a:ln>
+        </p:spPr>
+        <p:txBody>
+          <a:bodyPr spcFirstLastPara="1" wrap="square" lIns="0" tIns="0" rIns="0" bIns="0" anchor="t" anchorCtr="0">
+            <a:spAutoFit/>
+          </a:bodyPr>
+          <a:lstStyle/>
+          <a:p>
+            <a:pPr marL="0" marR="0" lvl="0" indent="0" algn="l" defTabSz="914400" rtl="0" eaLnBrk="1" fontAlgn="auto" latinLnBrk="0" hangingPunct="1">
+              <a:lnSpc>
+                <a:spcPct val="140010"/>
+              </a:lnSpc>
+              <a:spcBef>
+                <a:spcPts val="0"/>
+              </a:spcBef>
+              <a:spcAft>
+                <a:spcPts val="0"/>
+              </a:spcAft>
+              <a:buClr>
+                <a:srgbClr val="000000"/>
+              </a:buClr>
+              <a:buSzTx/>
+              <a:buFont typeface="Arial"/>
+              <a:buNone/>
+              <a:tabLst/>
+              <a:defRPr/>
+            </a:pPr>
+            <a:r>
+              <a:rPr kumimoji="0" lang="en" sz="1900" b="1" i="0" u="none" strike="noStrike" kern="0" cap="none" spc="0" normalizeH="0" baseline="0" noProof="0">
+                <a:ln>
+                  <a:noFill/>
+                </a:ln>
+                <a:solidFill>
+                  <a:srgbClr val="2B2C30"/>
+                </a:solidFill>
+                <a:effectLst/>
+                <a:uLnTx/>
+                <a:uFillTx/>
+                <a:latin typeface="Public Sans"/>
+                <a:ea typeface="Public Sans"/>
+                <a:cs typeface="Public Sans"/>
+                <a:sym typeface="Public Sans"/>
+              </a:rPr>
+              <a:t>SINCE 2021 RDI HAS —</a:t>
+            </a:r>
+            <a:endParaRPr kumimoji="0" sz="700" b="0" i="0" u="none" strike="noStrike" kern="0" cap="none" spc="0" normalizeH="0" baseline="0" noProof="0">
+              <a:ln>
+                <a:noFill/>
+              </a:ln>
+              <a:solidFill>
+                <a:srgbClr val="000000"/>
+              </a:solidFill>
+              <a:effectLst/>
+              <a:uLnTx/>
+              <a:uFillTx/>
+              <a:latin typeface="Arial"/>
+              <a:cs typeface="Arial"/>
+              <a:sym typeface="Arial"/>
+            </a:endParaRPr>
+          </a:p>
+        </p:txBody>
+      </p:sp>
+      <p:cxnSp>
+        <p:nvCxnSpPr>
+          <p:cNvPr id="195" name="Google Shape;195;p34"/>
+          <p:cNvCxnSpPr/>
+          <p:nvPr/>
+        </p:nvCxnSpPr>
+        <p:spPr>
+          <a:xfrm rot="10800000" flipH="1">
+            <a:off x="503422" y="967089"/>
+            <a:ext cx="8115297" cy="19255"/>
+          </a:xfrm>
+          <a:prstGeom prst="straightConnector1">
+            <a:avLst/>
+          </a:prstGeom>
+          <a:noFill/>
+          <a:ln w="28575" cap="flat" cmpd="sng">
+            <a:solidFill>
+              <a:srgbClr val="2B2C30"/>
+            </a:solidFill>
+            <a:prstDash val="solid"/>
+            <a:round/>
+            <a:headEnd type="none" w="sm" len="sm"/>
+            <a:tailEnd type="none" w="sm" len="sm"/>
+          </a:ln>
+        </p:spPr>
+      </p:cxnSp>
+      <p:sp>
+        <p:nvSpPr>
+          <p:cNvPr id="196" name="Google Shape;196;p34"/>
+          <p:cNvSpPr txBox="1"/>
+          <p:nvPr/>
+        </p:nvSpPr>
+        <p:spPr>
+          <a:xfrm>
+            <a:off x="521722" y="1050800"/>
+            <a:ext cx="8078700" cy="4094700"/>
+          </a:xfrm>
+          <a:prstGeom prst="rect">
+            <a:avLst/>
+          </a:prstGeom>
+          <a:noFill/>
+          <a:ln>
+            <a:noFill/>
+          </a:ln>
+        </p:spPr>
+        <p:txBody>
+          <a:bodyPr spcFirstLastPara="1" wrap="square" lIns="0" tIns="0" rIns="0" bIns="0" anchor="t" anchorCtr="0">
+            <a:spAutoFit/>
+          </a:bodyPr>
+          <a:lstStyle/>
+          <a:p>
+            <a:pPr marL="304800" marR="0" lvl="1" indent="-152400" algn="l" defTabSz="914400" rtl="0" eaLnBrk="1" fontAlgn="auto" latinLnBrk="0" hangingPunct="1">
+              <a:lnSpc>
+                <a:spcPct val="150017"/>
+              </a:lnSpc>
+              <a:spcBef>
+                <a:spcPts val="0"/>
+              </a:spcBef>
+              <a:spcAft>
+                <a:spcPts val="0"/>
+              </a:spcAft>
+              <a:buClr>
+                <a:srgbClr val="2B2C30"/>
+              </a:buClr>
+              <a:buSzPts val="1400"/>
+              <a:buFont typeface="Arial"/>
+              <a:buChar char="•"/>
+              <a:tabLst/>
+              <a:defRPr/>
+            </a:pPr>
+            <a:r>
+              <a:rPr kumimoji="0" lang="en" sz="1400" b="1" i="0" u="none" strike="noStrike" kern="0" cap="none" spc="0" normalizeH="0" baseline="0" noProof="0">
+                <a:ln>
+                  <a:noFill/>
+                </a:ln>
+                <a:solidFill>
+                  <a:srgbClr val="2B2C30"/>
+                </a:solidFill>
+                <a:effectLst/>
+                <a:uLnTx/>
+                <a:uFillTx/>
+                <a:latin typeface="Public Sans"/>
+                <a:ea typeface="Public Sans"/>
+                <a:cs typeface="Public Sans"/>
+                <a:sym typeface="Public Sans"/>
+              </a:rPr>
+              <a:t>Research</a:t>
+            </a:r>
+            <a:r>
+              <a:rPr kumimoji="0" lang="en" sz="1400" b="0" i="0" u="none" strike="noStrike" kern="0" cap="none" spc="0" normalizeH="0" baseline="0" noProof="0">
+                <a:ln>
+                  <a:noFill/>
+                </a:ln>
+                <a:solidFill>
+                  <a:srgbClr val="2B2C30"/>
+                </a:solidFill>
+                <a:effectLst/>
+                <a:uLnTx/>
+                <a:uFillTx/>
+                <a:latin typeface="Public Sans"/>
+                <a:ea typeface="Public Sans"/>
+                <a:cs typeface="Public Sans"/>
+                <a:sym typeface="Public Sans"/>
+              </a:rPr>
+              <a:t>:</a:t>
+            </a:r>
+            <a:endParaRPr kumimoji="0" sz="700" b="0" i="0" u="none" strike="noStrike" kern="0" cap="none" spc="0" normalizeH="0" baseline="0" noProof="0">
+              <a:ln>
+                <a:noFill/>
+              </a:ln>
+              <a:solidFill>
+                <a:srgbClr val="000000"/>
+              </a:solidFill>
+              <a:effectLst/>
+              <a:uLnTx/>
+              <a:uFillTx/>
+              <a:latin typeface="Arial"/>
+              <a:cs typeface="Arial"/>
+              <a:sym typeface="Arial"/>
+            </a:endParaRPr>
+          </a:p>
+          <a:p>
+            <a:pPr marL="609600" marR="0" lvl="2" indent="-203200" algn="l" defTabSz="914400" rtl="0" eaLnBrk="1" fontAlgn="auto" latinLnBrk="0" hangingPunct="1">
+              <a:lnSpc>
+                <a:spcPct val="150017"/>
+              </a:lnSpc>
+              <a:spcBef>
+                <a:spcPts val="0"/>
+              </a:spcBef>
+              <a:spcAft>
+                <a:spcPts val="0"/>
+              </a:spcAft>
+              <a:buClr>
+                <a:srgbClr val="2B2C30"/>
+              </a:buClr>
+              <a:buSzPts val="1400"/>
+              <a:buFont typeface="Arial"/>
+              <a:buChar char="⚬"/>
+              <a:tabLst/>
+              <a:defRPr/>
+            </a:pPr>
+            <a:r>
+              <a:rPr kumimoji="0" lang="en" sz="1400" b="1" i="0" u="none" strike="noStrike" kern="0" cap="none" spc="0" normalizeH="0" baseline="0" noProof="0">
+                <a:ln>
+                  <a:noFill/>
+                </a:ln>
+                <a:solidFill>
+                  <a:srgbClr val="FF3131"/>
+                </a:solidFill>
+                <a:effectLst/>
+                <a:uLnTx/>
+                <a:uFillTx/>
+                <a:latin typeface="Public Sans"/>
+                <a:ea typeface="Public Sans"/>
+                <a:cs typeface="Public Sans"/>
+                <a:sym typeface="Public Sans"/>
+              </a:rPr>
+              <a:t>~10</a:t>
+            </a:r>
+            <a:r>
+              <a:rPr kumimoji="0" lang="en" sz="1400" b="0" i="0" u="none" strike="noStrike" kern="0" cap="none" spc="0" normalizeH="0" baseline="0" noProof="0">
+                <a:ln>
+                  <a:noFill/>
+                </a:ln>
+                <a:solidFill>
+                  <a:srgbClr val="2B2C30"/>
+                </a:solidFill>
+                <a:effectLst/>
+                <a:uLnTx/>
+                <a:uFillTx/>
+                <a:latin typeface="Public Sans"/>
+                <a:ea typeface="Public Sans"/>
+                <a:cs typeface="Public Sans"/>
+                <a:sym typeface="Public Sans"/>
+              </a:rPr>
+              <a:t> Best/Top Paper Awards in top conferences</a:t>
+            </a:r>
+            <a:endParaRPr kumimoji="0" sz="700" b="0" i="0" u="none" strike="noStrike" kern="0" cap="none" spc="0" normalizeH="0" baseline="0" noProof="0">
+              <a:ln>
+                <a:noFill/>
+              </a:ln>
+              <a:solidFill>
+                <a:srgbClr val="000000"/>
+              </a:solidFill>
+              <a:effectLst/>
+              <a:uLnTx/>
+              <a:uFillTx/>
+              <a:latin typeface="Arial"/>
+              <a:cs typeface="Arial"/>
+              <a:sym typeface="Arial"/>
+            </a:endParaRPr>
+          </a:p>
+          <a:p>
+            <a:pPr marL="609600" marR="0" lvl="2" indent="-203200" algn="l" defTabSz="914400" rtl="0" eaLnBrk="1" fontAlgn="auto" latinLnBrk="0" hangingPunct="1">
+              <a:lnSpc>
+                <a:spcPct val="150017"/>
+              </a:lnSpc>
+              <a:spcBef>
+                <a:spcPts val="0"/>
+              </a:spcBef>
+              <a:spcAft>
+                <a:spcPts val="0"/>
+              </a:spcAft>
+              <a:buClr>
+                <a:srgbClr val="2B2C30"/>
+              </a:buClr>
+              <a:buSzPts val="1400"/>
+              <a:buFont typeface="Arial"/>
+              <a:buChar char="⚬"/>
+              <a:tabLst/>
+              <a:defRPr/>
+            </a:pPr>
+            <a:r>
+              <a:rPr kumimoji="0" lang="en" sz="1400" b="0" i="0" u="none" strike="noStrike" kern="0" cap="none" spc="0" normalizeH="0" baseline="0" noProof="0">
+                <a:ln>
+                  <a:noFill/>
+                </a:ln>
+                <a:solidFill>
+                  <a:srgbClr val="2B2C30"/>
+                </a:solidFill>
+                <a:effectLst/>
+                <a:uLnTx/>
+                <a:uFillTx/>
+                <a:latin typeface="Public Sans"/>
+                <a:ea typeface="Public Sans"/>
+                <a:cs typeface="Public Sans"/>
+                <a:sym typeface="Public Sans"/>
+              </a:rPr>
+              <a:t>Supported </a:t>
+            </a:r>
+            <a:r>
+              <a:rPr kumimoji="0" lang="en" sz="1400" b="1" i="0" u="none" strike="noStrike" kern="0" cap="none" spc="0" normalizeH="0" baseline="0" noProof="0">
+                <a:ln>
+                  <a:noFill/>
+                </a:ln>
+                <a:solidFill>
+                  <a:srgbClr val="2B2C30"/>
+                </a:solidFill>
+                <a:effectLst/>
+                <a:uLnTx/>
+                <a:uFillTx/>
+                <a:latin typeface="Public Sans"/>
+                <a:ea typeface="Public Sans"/>
+                <a:cs typeface="Public Sans"/>
+                <a:sym typeface="Public Sans"/>
+              </a:rPr>
+              <a:t>RDI Frontier Research Fellows</a:t>
+            </a:r>
+            <a:r>
+              <a:rPr kumimoji="0" lang="en" sz="1400" b="0" i="0" u="none" strike="noStrike" kern="0" cap="none" spc="0" normalizeH="0" baseline="0" noProof="0">
+                <a:ln>
+                  <a:noFill/>
+                </a:ln>
+                <a:solidFill>
+                  <a:srgbClr val="2B2C30"/>
+                </a:solidFill>
+                <a:effectLst/>
+                <a:uLnTx/>
+                <a:uFillTx/>
+                <a:latin typeface="Public Sans"/>
+                <a:ea typeface="Public Sans"/>
+                <a:cs typeface="Public Sans"/>
+                <a:sym typeface="Public Sans"/>
+              </a:rPr>
+              <a:t> with </a:t>
+            </a:r>
+            <a:r>
+              <a:rPr kumimoji="0" lang="en" sz="1400" b="1" i="0" u="none" strike="noStrike" kern="0" cap="none" spc="0" normalizeH="0" baseline="0" noProof="0">
+                <a:ln>
+                  <a:noFill/>
+                </a:ln>
+                <a:solidFill>
+                  <a:srgbClr val="FF3131"/>
+                </a:solidFill>
+                <a:effectLst/>
+                <a:uLnTx/>
+                <a:uFillTx/>
+                <a:latin typeface="Public Sans"/>
+                <a:ea typeface="Public Sans"/>
+                <a:cs typeface="Public Sans"/>
+                <a:sym typeface="Public Sans"/>
+              </a:rPr>
+              <a:t>25</a:t>
+            </a:r>
+            <a:r>
+              <a:rPr kumimoji="0" lang="en" sz="1400" b="0" i="0" u="none" strike="noStrike" kern="0" cap="none" spc="0" normalizeH="0" baseline="0" noProof="0">
+                <a:ln>
+                  <a:noFill/>
+                </a:ln>
+                <a:solidFill>
+                  <a:srgbClr val="2B2C30"/>
+                </a:solidFill>
+                <a:effectLst/>
+                <a:uLnTx/>
+                <a:uFillTx/>
+                <a:latin typeface="Public Sans"/>
+                <a:ea typeface="Public Sans"/>
+                <a:cs typeface="Public Sans"/>
+                <a:sym typeface="Public Sans"/>
+              </a:rPr>
+              <a:t> at UC Berkeley and </a:t>
+            </a:r>
+            <a:r>
+              <a:rPr kumimoji="0" lang="en" sz="1400" b="1" i="0" u="none" strike="noStrike" kern="0" cap="none" spc="0" normalizeH="0" baseline="0" noProof="0">
+                <a:ln>
+                  <a:noFill/>
+                </a:ln>
+                <a:solidFill>
+                  <a:srgbClr val="FF0000"/>
+                </a:solidFill>
+                <a:effectLst/>
+                <a:uLnTx/>
+                <a:uFillTx/>
+                <a:latin typeface="Public Sans"/>
+                <a:ea typeface="Public Sans"/>
+                <a:cs typeface="Public Sans"/>
+                <a:sym typeface="Public Sans"/>
+              </a:rPr>
+              <a:t>7</a:t>
+            </a:r>
+            <a:r>
+              <a:rPr kumimoji="0" lang="en" sz="1400" b="0" i="0" u="none" strike="noStrike" kern="0" cap="none" spc="0" normalizeH="0" baseline="0" noProof="0">
+                <a:ln>
+                  <a:noFill/>
+                </a:ln>
+                <a:solidFill>
+                  <a:srgbClr val="2B2C30"/>
+                </a:solidFill>
+                <a:effectLst/>
+                <a:uLnTx/>
+                <a:uFillTx/>
+                <a:latin typeface="Public Sans"/>
+                <a:ea typeface="Public Sans"/>
+                <a:cs typeface="Public Sans"/>
+                <a:sym typeface="Public Sans"/>
+              </a:rPr>
+              <a:t> across the UC campuses in diverse disciplines</a:t>
+            </a:r>
+            <a:endParaRPr kumimoji="0" sz="700" b="0" i="0" u="none" strike="noStrike" kern="0" cap="none" spc="0" normalizeH="0" baseline="0" noProof="0">
+              <a:ln>
+                <a:noFill/>
+              </a:ln>
+              <a:solidFill>
+                <a:srgbClr val="000000"/>
+              </a:solidFill>
+              <a:effectLst/>
+              <a:uLnTx/>
+              <a:uFillTx/>
+              <a:latin typeface="Arial"/>
+              <a:cs typeface="Arial"/>
+              <a:sym typeface="Arial"/>
+            </a:endParaRPr>
+          </a:p>
+          <a:p>
+            <a:pPr marL="304800" marR="0" lvl="1" indent="-152400" algn="l" defTabSz="914400" rtl="0" eaLnBrk="1" fontAlgn="auto" latinLnBrk="0" hangingPunct="1">
+              <a:lnSpc>
+                <a:spcPct val="150017"/>
+              </a:lnSpc>
+              <a:spcBef>
+                <a:spcPts val="0"/>
+              </a:spcBef>
+              <a:spcAft>
+                <a:spcPts val="0"/>
+              </a:spcAft>
+              <a:buClr>
+                <a:srgbClr val="2B2C30"/>
+              </a:buClr>
+              <a:buSzPts val="1400"/>
+              <a:buFont typeface="Arial"/>
+              <a:buChar char="•"/>
+              <a:tabLst/>
+              <a:defRPr/>
+            </a:pPr>
+            <a:r>
+              <a:rPr kumimoji="0" lang="en" sz="1400" b="1" i="0" u="none" strike="noStrike" kern="0" cap="none" spc="0" normalizeH="0" baseline="0" noProof="0">
+                <a:ln>
+                  <a:noFill/>
+                </a:ln>
+                <a:solidFill>
+                  <a:srgbClr val="2B2C30"/>
+                </a:solidFill>
+                <a:effectLst/>
+                <a:uLnTx/>
+                <a:uFillTx/>
+                <a:latin typeface="Public Sans"/>
+                <a:ea typeface="Public Sans"/>
+                <a:cs typeface="Public Sans"/>
+                <a:sym typeface="Public Sans"/>
+              </a:rPr>
+              <a:t>Education</a:t>
+            </a:r>
+            <a:r>
+              <a:rPr kumimoji="0" lang="en" sz="1400" b="0" i="0" u="none" strike="noStrike" kern="0" cap="none" spc="0" normalizeH="0" baseline="0" noProof="0">
+                <a:ln>
+                  <a:noFill/>
+                </a:ln>
+                <a:solidFill>
+                  <a:srgbClr val="2B2C30"/>
+                </a:solidFill>
+                <a:effectLst/>
+                <a:uLnTx/>
+                <a:uFillTx/>
+                <a:latin typeface="Public Sans"/>
+                <a:ea typeface="Public Sans"/>
+                <a:cs typeface="Public Sans"/>
+                <a:sym typeface="Public Sans"/>
+              </a:rPr>
+              <a:t>:</a:t>
+            </a:r>
+            <a:endParaRPr kumimoji="0" sz="700" b="0" i="0" u="none" strike="noStrike" kern="0" cap="none" spc="0" normalizeH="0" baseline="0" noProof="0">
+              <a:ln>
+                <a:noFill/>
+              </a:ln>
+              <a:solidFill>
+                <a:srgbClr val="000000"/>
+              </a:solidFill>
+              <a:effectLst/>
+              <a:uLnTx/>
+              <a:uFillTx/>
+              <a:latin typeface="Arial"/>
+              <a:cs typeface="Arial"/>
+              <a:sym typeface="Arial"/>
+            </a:endParaRPr>
+          </a:p>
+          <a:p>
+            <a:pPr marL="609600" marR="0" lvl="2" indent="-203200" algn="l" defTabSz="914400" rtl="0" eaLnBrk="1" fontAlgn="auto" latinLnBrk="0" hangingPunct="1">
+              <a:lnSpc>
+                <a:spcPct val="150017"/>
+              </a:lnSpc>
+              <a:spcBef>
+                <a:spcPts val="0"/>
+              </a:spcBef>
+              <a:spcAft>
+                <a:spcPts val="0"/>
+              </a:spcAft>
+              <a:buClr>
+                <a:srgbClr val="2B2C30"/>
+              </a:buClr>
+              <a:buSzPts val="1400"/>
+              <a:buFont typeface="Arial"/>
+              <a:buChar char="⚬"/>
+              <a:tabLst/>
+              <a:defRPr/>
+            </a:pPr>
+            <a:r>
+              <a:rPr kumimoji="0" lang="en" sz="1400" b="0" i="0" u="none" strike="noStrike" kern="0" cap="none" spc="0" normalizeH="0" baseline="0" noProof="0">
+                <a:ln>
+                  <a:noFill/>
+                </a:ln>
+                <a:solidFill>
+                  <a:srgbClr val="2B2C30"/>
+                </a:solidFill>
+                <a:effectLst/>
+                <a:uLnTx/>
+                <a:uFillTx/>
+                <a:latin typeface="Public Sans"/>
+                <a:ea typeface="Public Sans"/>
+                <a:cs typeface="Public Sans"/>
+                <a:sym typeface="Public Sans"/>
+              </a:rPr>
+              <a:t>Offered the world’s first MOOCs in </a:t>
+            </a:r>
+            <a:r>
+              <a:rPr kumimoji="0" lang="en" sz="1400" b="0" i="0" u="sng" strike="noStrike" kern="0" cap="none" spc="0" normalizeH="0" baseline="0" noProof="0">
+                <a:ln>
+                  <a:noFill/>
+                </a:ln>
+                <a:solidFill>
+                  <a:srgbClr val="0000FF"/>
+                </a:solidFill>
+                <a:effectLst/>
+                <a:uLnTx/>
+                <a:uFillTx/>
+                <a:latin typeface="Public Sans"/>
+                <a:ea typeface="Public Sans"/>
+                <a:cs typeface="Public Sans"/>
+                <a:sym typeface="Public Sans"/>
+                <a:hlinkClick r:id="rId3"/>
+              </a:rPr>
+              <a:t>LLM Agents</a:t>
+            </a:r>
+            <a:r>
+              <a:rPr kumimoji="0" lang="en" sz="1400" b="0" i="0" u="none" strike="noStrike" kern="0" cap="none" spc="0" normalizeH="0" baseline="0" noProof="0">
+                <a:ln>
+                  <a:noFill/>
+                </a:ln>
+                <a:solidFill>
+                  <a:srgbClr val="2B2C30"/>
+                </a:solidFill>
+                <a:effectLst/>
+                <a:uLnTx/>
+                <a:uFillTx/>
+                <a:latin typeface="Public Sans"/>
+                <a:ea typeface="Public Sans"/>
+                <a:cs typeface="Public Sans"/>
+                <a:sym typeface="Public Sans"/>
+              </a:rPr>
+              <a:t> &amp; </a:t>
+            </a:r>
+            <a:r>
+              <a:rPr kumimoji="0" lang="en" sz="1400" b="0" i="0" u="sng" strike="noStrike" kern="0" cap="none" spc="0" normalizeH="0" baseline="0" noProof="0">
+                <a:ln>
+                  <a:noFill/>
+                </a:ln>
+                <a:solidFill>
+                  <a:srgbClr val="0000FF"/>
+                </a:solidFill>
+                <a:effectLst/>
+                <a:uLnTx/>
+                <a:uFillTx/>
+                <a:latin typeface="Public Sans"/>
+                <a:ea typeface="Public Sans"/>
+                <a:cs typeface="Public Sans"/>
+                <a:sym typeface="Public Sans"/>
+                <a:hlinkClick r:id="rId4"/>
+              </a:rPr>
+              <a:t>Advanced LLM Agents</a:t>
+            </a:r>
+            <a:r>
+              <a:rPr kumimoji="0" lang="en" sz="700" b="0" i="0" u="none" strike="noStrike" kern="0" cap="none" spc="0" normalizeH="0" baseline="0" noProof="0">
+                <a:ln>
+                  <a:noFill/>
+                </a:ln>
+                <a:solidFill>
+                  <a:srgbClr val="000000"/>
+                </a:solidFill>
+                <a:effectLst/>
+                <a:uLnTx/>
+                <a:uFillTx/>
+                <a:latin typeface="Arial"/>
+                <a:cs typeface="Arial"/>
+                <a:sym typeface="Arial"/>
+              </a:rPr>
+              <a:t> </a:t>
+            </a:r>
+            <a:endParaRPr kumimoji="0" sz="700" b="0" i="0" u="none" strike="noStrike" kern="0" cap="none" spc="0" normalizeH="0" baseline="0" noProof="0">
+              <a:ln>
+                <a:noFill/>
+              </a:ln>
+              <a:solidFill>
+                <a:srgbClr val="000000"/>
+              </a:solidFill>
+              <a:effectLst/>
+              <a:uLnTx/>
+              <a:uFillTx/>
+              <a:latin typeface="Arial"/>
+              <a:cs typeface="Arial"/>
+              <a:sym typeface="Arial"/>
+            </a:endParaRPr>
+          </a:p>
+          <a:p>
+            <a:pPr marL="609600" marR="0" lvl="2" indent="-203200" algn="l" defTabSz="914400" rtl="0" eaLnBrk="1" fontAlgn="auto" latinLnBrk="0" hangingPunct="1">
+              <a:lnSpc>
+                <a:spcPct val="150017"/>
+              </a:lnSpc>
+              <a:spcBef>
+                <a:spcPts val="0"/>
+              </a:spcBef>
+              <a:spcAft>
+                <a:spcPts val="0"/>
+              </a:spcAft>
+              <a:buClr>
+                <a:srgbClr val="2B2C30"/>
+              </a:buClr>
+              <a:buSzPts val="1400"/>
+              <a:buFont typeface="Arial"/>
+              <a:buChar char="⚬"/>
+              <a:tabLst/>
+              <a:defRPr/>
+            </a:pPr>
+            <a:r>
+              <a:rPr kumimoji="0" lang="en" sz="1400" b="0" i="0" u="none" strike="noStrike" kern="0" cap="none" spc="0" normalizeH="0" baseline="0" noProof="0">
+                <a:ln>
+                  <a:noFill/>
+                </a:ln>
+                <a:solidFill>
+                  <a:srgbClr val="2B2C30"/>
+                </a:solidFill>
+                <a:effectLst/>
+                <a:uLnTx/>
+                <a:uFillTx/>
+                <a:latin typeface="Public Sans"/>
+                <a:ea typeface="Public Sans"/>
+                <a:cs typeface="Public Sans"/>
+                <a:sym typeface="Public Sans"/>
+              </a:rPr>
+              <a:t>Offered the world’s first </a:t>
+            </a:r>
+            <a:r>
+              <a:rPr kumimoji="0" lang="en" sz="1400" b="0" i="0" u="sng" strike="noStrike" kern="0" cap="none" spc="0" normalizeH="0" baseline="0" noProof="0">
+                <a:ln>
+                  <a:noFill/>
+                </a:ln>
+                <a:solidFill>
+                  <a:srgbClr val="0000FF"/>
+                </a:solidFill>
+                <a:effectLst/>
+                <a:uLnTx/>
+                <a:uFillTx/>
+                <a:latin typeface="Public Sans"/>
+                <a:ea typeface="Public Sans"/>
+                <a:cs typeface="Public Sans"/>
+                <a:sym typeface="Public Sans"/>
+                <a:hlinkClick r:id="rId5"/>
+              </a:rPr>
+              <a:t>DeFi</a:t>
+            </a:r>
+            <a:r>
+              <a:rPr kumimoji="0" lang="en" sz="1400" b="0" i="0" u="none" strike="noStrike" kern="0" cap="none" spc="0" normalizeH="0" baseline="0" noProof="0">
+                <a:ln>
+                  <a:noFill/>
+                </a:ln>
+                <a:solidFill>
+                  <a:srgbClr val="2B2C30"/>
+                </a:solidFill>
+                <a:effectLst/>
+                <a:uLnTx/>
+                <a:uFillTx/>
+                <a:latin typeface="Public Sans"/>
+                <a:ea typeface="Public Sans"/>
+                <a:cs typeface="Public Sans"/>
+                <a:sym typeface="Public Sans"/>
+              </a:rPr>
+              <a:t> &amp; </a:t>
+            </a:r>
+            <a:r>
+              <a:rPr kumimoji="0" lang="en" sz="1400" b="0" i="0" u="sng" strike="noStrike" kern="0" cap="none" spc="0" normalizeH="0" baseline="0" noProof="0">
+                <a:ln>
+                  <a:noFill/>
+                </a:ln>
+                <a:solidFill>
+                  <a:srgbClr val="0000FF"/>
+                </a:solidFill>
+                <a:effectLst/>
+                <a:uLnTx/>
+                <a:uFillTx/>
+                <a:latin typeface="Public Sans"/>
+                <a:ea typeface="Public Sans"/>
+                <a:cs typeface="Public Sans"/>
+                <a:sym typeface="Public Sans"/>
+                <a:hlinkClick r:id="rId6"/>
+              </a:rPr>
+              <a:t>Zero Knowledge Proofs</a:t>
+            </a:r>
+            <a:r>
+              <a:rPr kumimoji="0" lang="en" sz="1400" b="0" i="0" u="none" strike="noStrike" kern="0" cap="none" spc="0" normalizeH="0" baseline="0" noProof="0">
+                <a:ln>
+                  <a:noFill/>
+                </a:ln>
+                <a:solidFill>
+                  <a:srgbClr val="2B2C30"/>
+                </a:solidFill>
+                <a:effectLst/>
+                <a:uLnTx/>
+                <a:uFillTx/>
+                <a:latin typeface="Public Sans"/>
+                <a:ea typeface="Public Sans"/>
+                <a:cs typeface="Public Sans"/>
+                <a:sym typeface="Public Sans"/>
+              </a:rPr>
+              <a:t> MOOCs</a:t>
+            </a:r>
+            <a:endParaRPr kumimoji="0" sz="700" b="0" i="0" u="none" strike="noStrike" kern="0" cap="none" spc="0" normalizeH="0" baseline="0" noProof="0">
+              <a:ln>
+                <a:noFill/>
+              </a:ln>
+              <a:solidFill>
+                <a:srgbClr val="000000"/>
+              </a:solidFill>
+              <a:effectLst/>
+              <a:uLnTx/>
+              <a:uFillTx/>
+              <a:latin typeface="Arial"/>
+              <a:cs typeface="Arial"/>
+              <a:sym typeface="Arial"/>
+            </a:endParaRPr>
+          </a:p>
+          <a:p>
+            <a:pPr marL="609600" marR="0" lvl="2" indent="-203200" algn="l" defTabSz="914400" rtl="0" eaLnBrk="1" fontAlgn="auto" latinLnBrk="0" hangingPunct="1">
+              <a:lnSpc>
+                <a:spcPct val="150017"/>
+              </a:lnSpc>
+              <a:spcBef>
+                <a:spcPts val="0"/>
+              </a:spcBef>
+              <a:spcAft>
+                <a:spcPts val="0"/>
+              </a:spcAft>
+              <a:buClr>
+                <a:srgbClr val="2B2C30"/>
+              </a:buClr>
+              <a:buSzPts val="1400"/>
+              <a:buFont typeface="Arial"/>
+              <a:buChar char="⚬"/>
+              <a:tabLst/>
+              <a:defRPr/>
+            </a:pPr>
+            <a:r>
+              <a:rPr kumimoji="0" lang="en" sz="1400" b="0" i="0" u="none" strike="noStrike" kern="0" cap="none" spc="0" normalizeH="0" baseline="0" noProof="0">
+                <a:ln>
+                  <a:noFill/>
+                </a:ln>
+                <a:solidFill>
+                  <a:srgbClr val="2B2C30"/>
+                </a:solidFill>
+                <a:effectLst/>
+                <a:uLnTx/>
+                <a:uFillTx/>
+                <a:latin typeface="Public Sans"/>
+                <a:ea typeface="Public Sans"/>
+                <a:cs typeface="Public Sans"/>
+                <a:sym typeface="Public Sans"/>
+              </a:rPr>
+              <a:t>Attracting </a:t>
+            </a:r>
+            <a:r>
+              <a:rPr kumimoji="0" lang="en" sz="1400" b="1" i="0" u="none" strike="noStrike" kern="0" cap="none" spc="0" normalizeH="0" baseline="0" noProof="0">
+                <a:ln>
+                  <a:noFill/>
+                </a:ln>
+                <a:solidFill>
+                  <a:srgbClr val="FF3131"/>
+                </a:solidFill>
+                <a:effectLst/>
+                <a:uLnTx/>
+                <a:uFillTx/>
+                <a:latin typeface="Public Sans"/>
+                <a:ea typeface="Public Sans"/>
+                <a:cs typeface="Public Sans"/>
+                <a:sym typeface="Public Sans"/>
+              </a:rPr>
+              <a:t>1M+ views</a:t>
+            </a:r>
+            <a:r>
+              <a:rPr kumimoji="0" lang="en" sz="1400" b="0" i="0" u="none" strike="noStrike" kern="0" cap="none" spc="0" normalizeH="0" baseline="0" noProof="0">
+                <a:ln>
+                  <a:noFill/>
+                </a:ln>
+                <a:solidFill>
+                  <a:srgbClr val="2B2C30"/>
+                </a:solidFill>
+                <a:effectLst/>
+                <a:uLnTx/>
+                <a:uFillTx/>
+                <a:latin typeface="Public Sans"/>
+                <a:ea typeface="Public Sans"/>
+                <a:cs typeface="Public Sans"/>
+                <a:sym typeface="Public Sans"/>
+              </a:rPr>
+              <a:t> on the </a:t>
+            </a:r>
+            <a:r>
+              <a:rPr kumimoji="0" lang="en" sz="1400" b="0" i="0" u="sng" strike="noStrike" kern="0" cap="none" spc="0" normalizeH="0" baseline="0" noProof="0">
+                <a:ln>
+                  <a:noFill/>
+                </a:ln>
+                <a:solidFill>
+                  <a:srgbClr val="0000FF"/>
+                </a:solidFill>
+                <a:effectLst/>
+                <a:uLnTx/>
+                <a:uFillTx/>
+                <a:latin typeface="Public Sans"/>
+                <a:ea typeface="Public Sans"/>
+                <a:cs typeface="Public Sans"/>
+                <a:sym typeface="Public Sans"/>
+                <a:hlinkClick r:id="rId7"/>
+              </a:rPr>
+              <a:t>RDI Channel</a:t>
+            </a:r>
+            <a:r>
+              <a:rPr kumimoji="0" lang="en" sz="1400" b="0" i="0" u="none" strike="noStrike" kern="0" cap="none" spc="0" normalizeH="0" baseline="0" noProof="0">
+                <a:ln>
+                  <a:noFill/>
+                </a:ln>
+                <a:solidFill>
+                  <a:srgbClr val="2B2C30"/>
+                </a:solidFill>
+                <a:effectLst/>
+                <a:uLnTx/>
+                <a:uFillTx/>
+                <a:latin typeface="Public Sans"/>
+                <a:ea typeface="Public Sans"/>
+                <a:cs typeface="Public Sans"/>
+                <a:sym typeface="Public Sans"/>
+              </a:rPr>
+              <a:t> </a:t>
+            </a:r>
+            <a:endParaRPr kumimoji="0" sz="700" b="0" i="0" u="none" strike="noStrike" kern="0" cap="none" spc="0" normalizeH="0" baseline="0" noProof="0">
+              <a:ln>
+                <a:noFill/>
+              </a:ln>
+              <a:solidFill>
+                <a:srgbClr val="000000"/>
+              </a:solidFill>
+              <a:effectLst/>
+              <a:uLnTx/>
+              <a:uFillTx/>
+              <a:latin typeface="Arial"/>
+              <a:cs typeface="Arial"/>
+              <a:sym typeface="Arial"/>
+            </a:endParaRPr>
+          </a:p>
+          <a:p>
+            <a:pPr marL="609600" marR="0" lvl="2" indent="-203200" algn="l" defTabSz="914400" rtl="0" eaLnBrk="1" fontAlgn="auto" latinLnBrk="0" hangingPunct="1">
+              <a:lnSpc>
+                <a:spcPct val="150017"/>
+              </a:lnSpc>
+              <a:spcBef>
+                <a:spcPts val="0"/>
+              </a:spcBef>
+              <a:spcAft>
+                <a:spcPts val="0"/>
+              </a:spcAft>
+              <a:buClr>
+                <a:srgbClr val="2B2C30"/>
+              </a:buClr>
+              <a:buSzPts val="1400"/>
+              <a:buFont typeface="Arial"/>
+              <a:buChar char="⚬"/>
+              <a:tabLst/>
+              <a:defRPr/>
+            </a:pPr>
+            <a:r>
+              <a:rPr kumimoji="0" lang="en" sz="1400" b="1" i="0" u="none" strike="noStrike" kern="0" cap="none" spc="0" normalizeH="0" baseline="0" noProof="0">
+                <a:ln>
+                  <a:noFill/>
+                </a:ln>
+                <a:solidFill>
+                  <a:srgbClr val="FF0000"/>
+                </a:solidFill>
+                <a:effectLst/>
+                <a:uLnTx/>
+                <a:uFillTx/>
+                <a:latin typeface="Public Sans"/>
+                <a:ea typeface="Public Sans"/>
+                <a:cs typeface="Public Sans"/>
+                <a:sym typeface="Public Sans"/>
+              </a:rPr>
+              <a:t>~7K</a:t>
+            </a:r>
+            <a:r>
+              <a:rPr kumimoji="0" lang="en" sz="1400" b="0" i="0" u="none" strike="noStrike" kern="0" cap="none" spc="0" normalizeH="0" baseline="0" noProof="0">
+                <a:ln>
+                  <a:noFill/>
+                </a:ln>
+                <a:solidFill>
+                  <a:srgbClr val="2B2C30"/>
+                </a:solidFill>
+                <a:effectLst/>
+                <a:uLnTx/>
+                <a:uFillTx/>
+                <a:latin typeface="Public Sans"/>
+                <a:ea typeface="Public Sans"/>
+                <a:cs typeface="Public Sans"/>
+                <a:sym typeface="Public Sans"/>
+              </a:rPr>
+              <a:t> hackathon participants from 100+ countries, thousands of universities and companies</a:t>
+            </a:r>
+            <a:endParaRPr kumimoji="0" sz="700" b="0" i="0" u="none" strike="noStrike" kern="0" cap="none" spc="0" normalizeH="0" baseline="0" noProof="0">
+              <a:ln>
+                <a:noFill/>
+              </a:ln>
+              <a:solidFill>
+                <a:srgbClr val="000000"/>
+              </a:solidFill>
+              <a:effectLst/>
+              <a:uLnTx/>
+              <a:uFillTx/>
+              <a:latin typeface="Arial"/>
+              <a:cs typeface="Arial"/>
+              <a:sym typeface="Arial"/>
+            </a:endParaRPr>
+          </a:p>
+          <a:p>
+            <a:pPr marL="304800" marR="0" lvl="1" indent="-152400" algn="l" defTabSz="914400" rtl="0" eaLnBrk="1" fontAlgn="auto" latinLnBrk="0" hangingPunct="1">
+              <a:lnSpc>
+                <a:spcPct val="150017"/>
+              </a:lnSpc>
+              <a:spcBef>
+                <a:spcPts val="0"/>
+              </a:spcBef>
+              <a:spcAft>
+                <a:spcPts val="0"/>
+              </a:spcAft>
+              <a:buClr>
+                <a:srgbClr val="2B2C30"/>
+              </a:buClr>
+              <a:buSzPts val="1400"/>
+              <a:buFont typeface="Arial"/>
+              <a:buChar char="•"/>
+              <a:tabLst/>
+              <a:defRPr/>
+            </a:pPr>
+            <a:r>
+              <a:rPr kumimoji="0" lang="en" sz="1400" b="1" i="0" u="none" strike="noStrike" kern="0" cap="none" spc="0" normalizeH="0" baseline="0" noProof="0">
+                <a:ln>
+                  <a:noFill/>
+                </a:ln>
+                <a:solidFill>
+                  <a:srgbClr val="2B2C30"/>
+                </a:solidFill>
+                <a:effectLst/>
+                <a:uLnTx/>
+                <a:uFillTx/>
+                <a:latin typeface="Public Sans"/>
+                <a:ea typeface="Public Sans"/>
+                <a:cs typeface="Public Sans"/>
+                <a:sym typeface="Public Sans"/>
+              </a:rPr>
+              <a:t>Entrepreneurship &amp; Community</a:t>
+            </a:r>
+            <a:endParaRPr kumimoji="0" sz="700" b="0" i="0" u="none" strike="noStrike" kern="0" cap="none" spc="0" normalizeH="0" baseline="0" noProof="0">
+              <a:ln>
+                <a:noFill/>
+              </a:ln>
+              <a:solidFill>
+                <a:srgbClr val="000000"/>
+              </a:solidFill>
+              <a:effectLst/>
+              <a:uLnTx/>
+              <a:uFillTx/>
+              <a:latin typeface="Arial"/>
+              <a:cs typeface="Arial"/>
+              <a:sym typeface="Arial"/>
+            </a:endParaRPr>
+          </a:p>
+          <a:p>
+            <a:pPr marL="609600" marR="0" lvl="2" indent="-203200" algn="l" defTabSz="914400" rtl="0" eaLnBrk="1" fontAlgn="auto" latinLnBrk="0" hangingPunct="1">
+              <a:lnSpc>
+                <a:spcPct val="150017"/>
+              </a:lnSpc>
+              <a:spcBef>
+                <a:spcPts val="0"/>
+              </a:spcBef>
+              <a:spcAft>
+                <a:spcPts val="0"/>
+              </a:spcAft>
+              <a:buClr>
+                <a:srgbClr val="2B2C30"/>
+              </a:buClr>
+              <a:buSzPts val="1400"/>
+              <a:buFont typeface="Arial"/>
+              <a:buChar char="⚬"/>
+              <a:tabLst/>
+              <a:defRPr/>
+            </a:pPr>
+            <a:r>
+              <a:rPr kumimoji="0" lang="en" sz="1400" b="0" i="0" u="none" strike="noStrike" kern="0" cap="none" spc="0" normalizeH="0" baseline="0" noProof="0">
+                <a:ln>
+                  <a:noFill/>
+                </a:ln>
+                <a:solidFill>
+                  <a:srgbClr val="2B2C30"/>
+                </a:solidFill>
+                <a:effectLst/>
+                <a:uLnTx/>
+                <a:uFillTx/>
+                <a:latin typeface="Public Sans"/>
+                <a:ea typeface="Public Sans"/>
+                <a:cs typeface="Public Sans"/>
+                <a:sym typeface="Public Sans"/>
+              </a:rPr>
+              <a:t>Incubated 110 global teams in 7 cohorts, with follow-on funding over </a:t>
+            </a:r>
+            <a:r>
+              <a:rPr kumimoji="0" lang="en" sz="1400" b="0" i="0" u="none" strike="noStrike" kern="0" cap="none" spc="0" normalizeH="0" baseline="0" noProof="0">
+                <a:ln>
+                  <a:noFill/>
+                </a:ln>
+                <a:solidFill>
+                  <a:srgbClr val="FF0000"/>
+                </a:solidFill>
+                <a:effectLst/>
+                <a:uLnTx/>
+                <a:uFillTx/>
+                <a:latin typeface="Public Sans"/>
+                <a:ea typeface="Public Sans"/>
+                <a:cs typeface="Public Sans"/>
+                <a:sym typeface="Public Sans"/>
+              </a:rPr>
+              <a:t>$650M+</a:t>
+            </a:r>
+            <a:endParaRPr kumimoji="0" sz="700" b="0" i="0" u="none" strike="noStrike" kern="0" cap="none" spc="0" normalizeH="0" baseline="0" noProof="0">
+              <a:ln>
+                <a:noFill/>
+              </a:ln>
+              <a:solidFill>
+                <a:srgbClr val="FF0000"/>
+              </a:solidFill>
+              <a:effectLst/>
+              <a:uLnTx/>
+              <a:uFillTx/>
+              <a:latin typeface="Arial"/>
+              <a:cs typeface="Arial"/>
+              <a:sym typeface="Arial"/>
+            </a:endParaRPr>
+          </a:p>
+          <a:p>
+            <a:pPr marL="609600" marR="0" lvl="2" indent="-203200" algn="l" defTabSz="914400" rtl="0" eaLnBrk="1" fontAlgn="auto" latinLnBrk="0" hangingPunct="1">
+              <a:lnSpc>
+                <a:spcPct val="150017"/>
+              </a:lnSpc>
+              <a:spcBef>
+                <a:spcPts val="0"/>
+              </a:spcBef>
+              <a:spcAft>
+                <a:spcPts val="0"/>
+              </a:spcAft>
+              <a:buClr>
+                <a:srgbClr val="2B2C30"/>
+              </a:buClr>
+              <a:buSzPts val="1400"/>
+              <a:buFont typeface="Arial"/>
+              <a:buChar char="⚬"/>
+              <a:tabLst/>
+              <a:defRPr/>
+            </a:pPr>
+            <a:r>
+              <a:rPr kumimoji="0" lang="en" sz="1400" b="0" i="0" u="none" strike="noStrike" kern="0" cap="none" spc="0" normalizeH="0" baseline="0" noProof="0">
+                <a:ln>
+                  <a:noFill/>
+                </a:ln>
+                <a:solidFill>
+                  <a:srgbClr val="2B2C30"/>
+                </a:solidFill>
+                <a:effectLst/>
+                <a:uLnTx/>
+                <a:uFillTx/>
+                <a:latin typeface="Public Sans"/>
+                <a:ea typeface="Public Sans"/>
+                <a:cs typeface="Public Sans"/>
+                <a:sym typeface="Public Sans"/>
+              </a:rPr>
+              <a:t>Organized 10+ events with ~10K attendees and ~100K online views</a:t>
+            </a:r>
+            <a:endParaRPr kumimoji="0" sz="700" b="0" i="0" u="none" strike="noStrike" kern="0" cap="none" spc="0" normalizeH="0" baseline="0" noProof="0">
+              <a:ln>
+                <a:noFill/>
+              </a:ln>
+              <a:solidFill>
+                <a:srgbClr val="000000"/>
+              </a:solidFill>
+              <a:effectLst/>
+              <a:uLnTx/>
+              <a:uFillTx/>
+              <a:latin typeface="Arial"/>
+              <a:cs typeface="Arial"/>
+              <a:sym typeface="Arial"/>
+            </a:endParaRPr>
+          </a:p>
+          <a:p>
+            <a:pPr marL="0" marR="0" lvl="0" indent="0" algn="l" defTabSz="914400" rtl="0" eaLnBrk="1" fontAlgn="auto" latinLnBrk="0" hangingPunct="1">
+              <a:lnSpc>
+                <a:spcPct val="150017"/>
+              </a:lnSpc>
+              <a:spcBef>
+                <a:spcPts val="0"/>
+              </a:spcBef>
+              <a:spcAft>
+                <a:spcPts val="0"/>
+              </a:spcAft>
+              <a:buClr>
+                <a:srgbClr val="000000"/>
+              </a:buClr>
+              <a:buSzTx/>
+              <a:buFont typeface="Arial"/>
+              <a:buNone/>
+              <a:tabLst/>
+              <a:defRPr/>
+            </a:pPr>
+            <a:endParaRPr kumimoji="0" sz="1400" b="0" i="0" u="none" strike="noStrike" kern="0" cap="none" spc="0" normalizeH="0" baseline="0" noProof="0">
+              <a:ln>
+                <a:noFill/>
+              </a:ln>
+              <a:solidFill>
+                <a:srgbClr val="2B2C30"/>
+              </a:solidFill>
+              <a:effectLst/>
+              <a:uLnTx/>
+              <a:uFillTx/>
+              <a:latin typeface="Public Sans"/>
+              <a:ea typeface="Public Sans"/>
+              <a:cs typeface="Public Sans"/>
+              <a:sym typeface="Public Sans"/>
+            </a:endParaRPr>
+          </a:p>
+        </p:txBody>
+      </p:sp>
+      <p:sp>
+        <p:nvSpPr>
+          <p:cNvPr id="197" name="Google Shape;197;p34"/>
+          <p:cNvSpPr/>
+          <p:nvPr/>
+        </p:nvSpPr>
+        <p:spPr>
+          <a:xfrm>
+            <a:off x="6140634" y="295948"/>
+            <a:ext cx="2770577" cy="436802"/>
+          </a:xfrm>
+          <a:custGeom>
+            <a:avLst/>
+            <a:gdLst/>
+            <a:ahLst/>
+            <a:cxnLst/>
+            <a:rect l="l" t="t" r="r" b="b"/>
+            <a:pathLst>
+              <a:path w="5541154" h="873605" extrusionOk="0">
+                <a:moveTo>
+                  <a:pt x="0" y="0"/>
+                </a:moveTo>
+                <a:lnTo>
+                  <a:pt x="5541153" y="0"/>
+                </a:lnTo>
+                <a:lnTo>
+                  <a:pt x="5541153" y="873606"/>
+                </a:lnTo>
+                <a:lnTo>
+                  <a:pt x="0" y="873606"/>
+                </a:lnTo>
+                <a:lnTo>
+                  <a:pt x="0" y="0"/>
+                </a:lnTo>
+                <a:close/>
+              </a:path>
+            </a:pathLst>
+          </a:custGeom>
+          <a:blipFill rotWithShape="1">
+            <a:blip r:embed="rId8">
+              <a:alphaModFix/>
+            </a:blip>
+            <a:stretch>
+              <a:fillRect/>
+            </a:stretch>
+          </a:blipFill>
+          <a:ln>
+            <a:noFill/>
+          </a:ln>
+        </p:spPr>
+        <p:txBody>
+          <a:bodyPr/>
+          <a:lstStyle/>
+          <a:p>
+            <a:pPr marL="0" marR="0" lvl="0" indent="0" algn="l" defTabSz="914400" rtl="0" eaLnBrk="1" fontAlgn="auto" latinLnBrk="0" hangingPunct="1">
+              <a:lnSpc>
+                <a:spcPct val="100000"/>
+              </a:lnSpc>
+              <a:spcBef>
+                <a:spcPts val="0"/>
+              </a:spcBef>
+              <a:spcAft>
+                <a:spcPts val="0"/>
+              </a:spcAft>
+              <a:buClr>
+                <a:srgbClr val="000000"/>
+              </a:buClr>
+              <a:buSzTx/>
+              <a:buFont typeface="Arial"/>
+              <a:buNone/>
+              <a:tabLst/>
+              <a:defRPr/>
+            </a:pPr>
+            <a:endParaRPr kumimoji="0" lang="en-US" sz="1400" b="0" i="0" u="none" strike="noStrike" kern="0" cap="none" spc="0" normalizeH="0" baseline="0" noProof="0">
+              <a:ln>
+                <a:noFill/>
+              </a:ln>
+              <a:solidFill>
+                <a:srgbClr val="000000"/>
+              </a:solidFill>
+              <a:effectLst/>
+              <a:uLnTx/>
+              <a:uFillTx/>
+              <a:latin typeface="Arial"/>
+              <a:cs typeface="Arial"/>
+              <a:sym typeface="Arial"/>
+            </a:endParaRPr>
+          </a:p>
+        </p:txBody>
+      </p:sp>
+    </p:spTree>
+  </p:cSld>
+  <p:clrMapOvr>
+    <a:masterClrMapping/>
+  </p:clrMapOvr>
+</p:sld>
+</file>
+
+<file path=ppt/slides/slide12.xml><?xml version="1.0" encoding="utf-8"?>
+<p:sld xmlns:a="http://schemas.openxmlformats.org/drawingml/2006/main" xmlns:r="http://schemas.openxmlformats.org/officeDocument/2006/relationships" xmlns:p="http://schemas.openxmlformats.org/presentationml/2006/main">
+  <p:cSld>
+    <p:spTree>
+      <p:nvGrpSpPr>
+        <p:cNvPr id="1" name=""/>
+        <p:cNvGrpSpPr/>
+        <p:nvPr/>
+      </p:nvGrpSpPr>
+      <p:grpSpPr>
+        <a:xfrm>
+          <a:off x="0" y="0"/>
+          <a:ext cx="0" cy="0"/>
+          <a:chOff x="0" y="0"/>
+          <a:chExt cx="0" cy="0"/>
+        </a:xfrm>
+      </p:grpSpPr>
+      <p:sp>
+        <p:nvSpPr>
+          <p:cNvPr id="20481" name="Rectangle 2"/>
+          <p:cNvSpPr>
+            <a:spLocks noGrp="1" noChangeArrowheads="1"/>
+          </p:cNvSpPr>
+          <p:nvPr>
+            <p:ph type="title"/>
+          </p:nvPr>
+        </p:nvSpPr>
+        <p:spPr/>
+        <p:txBody>
+          <a:bodyPr>
+            <a:normAutofit fontScale="90000"/>
+          </a:bodyPr>
+          <a:lstStyle/>
+          <a:p>
+            <a:r>
+              <a:rPr lang="en-US" dirty="0"/>
+              <a:t>Schedule</a:t>
+            </a:r>
+          </a:p>
+        </p:txBody>
+      </p:sp>
+      <p:sp>
+        <p:nvSpPr>
+          <p:cNvPr id="20482" name="Rectangle 3"/>
+          <p:cNvSpPr>
+            <a:spLocks noGrp="1" noChangeArrowheads="1"/>
+          </p:cNvSpPr>
+          <p:nvPr>
+            <p:ph type="body" idx="1"/>
+          </p:nvPr>
+        </p:nvSpPr>
+        <p:spPr>
+          <a:xfrm>
+            <a:off x="96775" y="1020318"/>
+            <a:ext cx="9148827" cy="4123182"/>
+          </a:xfrm>
+        </p:spPr>
+        <p:txBody>
+          <a:bodyPr>
+            <a:normAutofit/>
+          </a:bodyPr>
+          <a:lstStyle/>
+          <a:p>
+            <a:r>
+              <a:rPr lang="en-US" dirty="0"/>
+              <a:t>Main program:  Mon – Wed.    9:00 – 5:00pm.</a:t>
+            </a:r>
+          </a:p>
+          <a:p>
+            <a:pPr>
+              <a:spcBef>
+                <a:spcPts val="1872"/>
+              </a:spcBef>
+            </a:pPr>
+            <a:r>
+              <a:rPr lang="en-US" dirty="0"/>
+              <a:t>Lunch at around 12:10pm: adjacent patio on the west side</a:t>
+            </a:r>
+          </a:p>
+          <a:p>
+            <a:pPr>
+              <a:spcBef>
+                <a:spcPts val="1872"/>
+              </a:spcBef>
+            </a:pPr>
+            <a:r>
+              <a:rPr lang="en-US" dirty="0"/>
+              <a:t>Tonight:  reception at 5pm, same place as the lunch</a:t>
+            </a:r>
+          </a:p>
+          <a:p>
+            <a:pPr>
+              <a:spcBef>
+                <a:spcPts val="1872"/>
+              </a:spcBef>
+            </a:pPr>
+            <a:r>
+              <a:rPr lang="en-US" dirty="0"/>
+              <a:t>Evening activities:  sign up on the conference web site</a:t>
+            </a:r>
+          </a:p>
+          <a:p>
+            <a:pPr marL="0" indent="0">
+              <a:spcBef>
+                <a:spcPts val="1872"/>
+              </a:spcBef>
+              <a:buNone/>
+            </a:pPr>
+            <a:endParaRPr lang="en-US" b="1" dirty="0">
+              <a:solidFill>
+                <a:srgbClr val="3025FF"/>
+              </a:solidFill>
+            </a:endParaRPr>
+          </a:p>
+          <a:p>
+            <a:pPr>
+              <a:spcBef>
+                <a:spcPts val="1872"/>
+              </a:spcBef>
+            </a:pPr>
+            <a:r>
+              <a:rPr lang="en-US" b="1" dirty="0">
+                <a:solidFill>
+                  <a:srgbClr val="3025FF"/>
+                </a:solidFill>
+              </a:rPr>
+              <a:t>Lightning talks tomorrow at noon</a:t>
+            </a:r>
+          </a:p>
+        </p:txBody>
+      </p:sp>
+      <p:pic>
+        <p:nvPicPr>
+          <p:cNvPr id="2" name="Picture 1">
+            <a:extLst>
+              <a:ext uri="{FF2B5EF4-FFF2-40B4-BE49-F238E27FC236}">
+                <a16:creationId xmlns:a16="http://schemas.microsoft.com/office/drawing/2014/main" id="{82876257-D538-1497-8EF4-540D0039F0D7}"/>
+              </a:ext>
+            </a:extLst>
+          </p:cNvPr>
+          <p:cNvPicPr>
+            <a:picLocks noChangeAspect="1"/>
+          </p:cNvPicPr>
+          <p:nvPr/>
+        </p:nvPicPr>
+        <p:blipFill>
+          <a:blip r:embed="rId2"/>
+          <a:srcRect l="2069" t="17663" b="22220"/>
+          <a:stretch>
+            <a:fillRect/>
+          </a:stretch>
+        </p:blipFill>
+        <p:spPr>
+          <a:xfrm>
+            <a:off x="2858947" y="3733800"/>
+            <a:ext cx="4265962" cy="389382"/>
+          </a:xfrm>
+          <a:prstGeom prst="rect">
+            <a:avLst/>
+          </a:prstGeom>
+          <a:ln>
+            <a:solidFill>
+              <a:schemeClr val="accent1"/>
+            </a:solidFill>
+          </a:ln>
+        </p:spPr>
+      </p:pic>
+    </p:spTree>
+    <p:extLst>
+      <p:ext uri="{BB962C8B-B14F-4D97-AF65-F5344CB8AC3E}">
+        <p14:creationId xmlns:p14="http://schemas.microsoft.com/office/powerpoint/2010/main" val="1164499180"/>
+      </p:ext>
+    </p:extLst>
+  </p:cSld>
+  <p:clrMapOvr>
+    <a:masterClrMapping/>
+  </p:clrMapOvr>
+  <p:timing>
+    <p:tnLst>
+      <p:par>
+        <p:cTn id="1" dur="indefinite" restart="never" nodeType="tmRoot">
+          <p:childTnLst>
+            <p:seq concurrent="1" nextAc="seek">
+              <p:cTn id="2" dur="indefinite" nodeType="mainSeq">
+                <p:childTnLst>
+                  <p:par>
+                    <p:cTn id="3" fill="hold">
+                      <p:stCondLst>
+                        <p:cond delay="indefinite"/>
+                      </p:stCondLst>
+                      <p:childTnLst>
+                        <p:par>
+                          <p:cTn id="4" fill="hold">
+                            <p:stCondLst>
+                              <p:cond delay="0"/>
+                            </p:stCondLst>
+                            <p:childTnLst>
+                              <p:par>
+                                <p:cTn id="5" presetID="1" presetClass="entr" presetSubtype="0" fill="hold" nodeType="clickEffect">
+                                  <p:stCondLst>
+                                    <p:cond delay="0"/>
+                                  </p:stCondLst>
+                                  <p:childTnLst>
+                                    <p:set>
+                                      <p:cBhvr>
+                                        <p:cTn id="6" dur="1" fill="hold">
+                                          <p:stCondLst>
+                                            <p:cond delay="0"/>
+                                          </p:stCondLst>
+                                        </p:cTn>
+                                        <p:tgtEl>
+                                          <p:spTgt spid="20482">
+                                            <p:txEl>
+                                              <p:pRg st="3" end="3"/>
+                                            </p:txEl>
+                                          </p:spTgt>
+                                        </p:tgtEl>
+                                        <p:attrNameLst>
+                                          <p:attrName>style.visibility</p:attrName>
+                                        </p:attrNameLst>
+                                      </p:cBhvr>
+                                      <p:to>
+                                        <p:strVal val="visible"/>
+                                      </p:to>
+                                    </p:set>
+                                  </p:childTnLst>
+                                </p:cTn>
+                              </p:par>
+                              <p:par>
+                                <p:cTn id="7" presetID="1" presetClass="entr" presetSubtype="0" fill="hold" nodeType="withEffect">
+                                  <p:stCondLst>
+                                    <p:cond delay="0"/>
+                                  </p:stCondLst>
+                                  <p:childTnLst>
+                                    <p:set>
+                                      <p:cBhvr>
+                                        <p:cTn id="8" dur="1" fill="hold">
+                                          <p:stCondLst>
+                                            <p:cond delay="0"/>
+                                          </p:stCondLst>
+                                        </p:cTn>
+                                        <p:tgtEl>
+                                          <p:spTgt spid="20482">
+                                            <p:txEl>
+                                              <p:pRg st="5" end="5"/>
+                                            </p:txEl>
+                                          </p:spTgt>
+                                        </p:tgtEl>
+                                        <p:attrNameLst>
+                                          <p:attrName>style.visibility</p:attrName>
+                                        </p:attrNameLst>
+                                      </p:cBhvr>
+                                      <p:to>
+                                        <p:strVal val="visible"/>
+                                      </p:to>
+                                    </p:set>
+                                  </p:childTnLst>
+                                </p:cTn>
+                              </p:par>
+                              <p:par>
+                                <p:cTn id="9" presetID="1" presetClass="entr" presetSubtype="0" fill="hold" nodeType="withEffect">
+                                  <p:stCondLst>
+                                    <p:cond delay="0"/>
+                                  </p:stCondLst>
+                                  <p:childTnLst>
+                                    <p:set>
+                                      <p:cBhvr>
+                                        <p:cTn id="10" dur="1" fill="hold">
+                                          <p:stCondLst>
+                                            <p:cond delay="0"/>
+                                          </p:stCondLst>
+                                        </p:cTn>
+                                        <p:tgtEl>
+                                          <p:spTgt spid="2"/>
+                                        </p:tgtEl>
+                                        <p:attrNameLst>
+                                          <p:attrName>style.visibility</p:attrName>
+                                        </p:attrNameLst>
+                                      </p:cBhvr>
+                                      <p:to>
+                                        <p:strVal val="visible"/>
+                                      </p:to>
+                                    </p:set>
+                                  </p:childTnLst>
+                                </p:cTn>
+                              </p:par>
+                            </p:childTnLst>
+                          </p:cTn>
+                        </p:par>
+                      </p:childTnLst>
+                    </p:cTn>
+                  </p:par>
+                </p:childTnLst>
+              </p:cTn>
+              <p:prevCondLst>
+                <p:cond evt="onPrev" delay="0">
+                  <p:tgtEl>
+                    <p:sldTgt/>
+                  </p:tgtEl>
+                </p:cond>
+              </p:prevCondLst>
+              <p:nextCondLst>
+                <p:cond evt="onNext" delay="0">
+                  <p:tgtEl>
+                    <p:sldTgt/>
+                  </p:tgtEl>
+                </p:cond>
+              </p:nextCondLst>
+            </p:seq>
+          </p:childTnLst>
+        </p:cTn>
+      </p:par>
+    </p:tnLst>
+  </p:timing>
+</p:sld>
+</file>
+
+<file path=ppt/slides/slide13.xml><?xml version="1.0" encoding="utf-8"?>
+<p:sld xmlns:a="http://schemas.openxmlformats.org/drawingml/2006/main" xmlns:r="http://schemas.openxmlformats.org/officeDocument/2006/relationships" xmlns:p="http://schemas.openxmlformats.org/presentationml/2006/main">
+  <p:cSld>
+    <p:spTree>
+      <p:nvGrpSpPr>
         <p:cNvPr id="1" name=""/>
         <p:cNvGrpSpPr/>
         <p:nvPr/>
@@ -5410,7 +7724,7 @@
 </p:sld>
 </file>
 
-<file path=ppt/slides/slide11.xml><?xml version="1.0" encoding="utf-8"?>
+<file path=ppt/slides/slide14.xml><?xml version="1.0" encoding="utf-8"?>
 <p:sld xmlns:a="http://schemas.openxmlformats.org/drawingml/2006/main" xmlns:r="http://schemas.openxmlformats.org/officeDocument/2006/relationships" xmlns:p="http://schemas.openxmlformats.org/presentationml/2006/main">
   <p:cSld>
     <p:spTree>
@@ -8507,15 +10821,20 @@
             </a:pPr>
             <a:r>
               <a:rPr lang="en-US" b="1" dirty="0"/>
-              <a:t>		Jocelyn Weber,   Karin Bauer,   Kenna Thorn, </a:t>
+              <a:t>		Jocelyn Weber,   Karin Bauer,    Jennifer Liu, </a:t>
             </a:r>
             <a:br>
               <a:rPr lang="en-US" b="1" dirty="0"/>
             </a:br>
             <a:r>
               <a:rPr lang="en-US" b="1" dirty="0"/>
-              <a:t>		Emily Fisher-Bunker,    Jennifer Liu</a:t>
-            </a:r>
+              <a:t>		</a:t>
+            </a:r>
+            <a:r>
+              <a:rPr lang="en-US" dirty="0"/>
+              <a:t>and other RDI staff members &amp; volunteers</a:t>
+            </a:r>
+            <a:endParaRPr lang="en-US" b="1" dirty="0"/>
           </a:p>
           <a:p>
             <a:pPr marL="0" indent="0">
@@ -8980,7 +11299,7 @@
   <p:cSld>
     <p:spTree>
       <p:nvGrpSpPr>
-        <p:cNvPr id="1" name=""/>
+        <p:cNvPr id="1" name="Shape 178"/>
         <p:cNvGrpSpPr/>
         <p:nvPr/>
       </p:nvGrpSpPr>
@@ -8994,301 +11313,448 @@
       </p:grpSpPr>
       <p:sp>
         <p:nvSpPr>
-          <p:cNvPr id="20481" name="Rectangle 2"/>
-          <p:cNvSpPr>
-            <a:spLocks noGrp="1" noChangeArrowheads="1"/>
-          </p:cNvSpPr>
-          <p:nvPr>
-            <p:ph type="title"/>
-          </p:nvPr>
-        </p:nvSpPr>
-        <p:spPr/>
-        <p:txBody>
-          <a:bodyPr>
-            <a:normAutofit fontScale="90000"/>
-          </a:bodyPr>
-          <a:lstStyle/>
-          <a:p>
-            <a:r>
-              <a:rPr lang="en-US" dirty="0"/>
-              <a:t>Schedule</a:t>
-            </a:r>
-          </a:p>
-        </p:txBody>
-      </p:sp>
-      <p:sp>
-        <p:nvSpPr>
-          <p:cNvPr id="20482" name="Rectangle 3"/>
-          <p:cNvSpPr>
-            <a:spLocks noGrp="1" noChangeArrowheads="1"/>
-          </p:cNvSpPr>
-          <p:nvPr>
-            <p:ph type="body" idx="1"/>
-          </p:nvPr>
+          <p:cNvPr id="179" name="Google Shape;179;p32"/>
+          <p:cNvSpPr txBox="1"/>
+          <p:nvPr/>
         </p:nvSpPr>
         <p:spPr>
           <a:xfrm>
-            <a:off x="96775" y="1020318"/>
-            <a:ext cx="9148827" cy="4123182"/>
-          </a:xfrm>
-        </p:spPr>
-        <p:txBody>
-          <a:bodyPr>
-            <a:normAutofit/>
-          </a:bodyPr>
-          <a:lstStyle/>
-          <a:p>
-            <a:r>
-              <a:rPr lang="en-US" dirty="0"/>
-              <a:t>Main program:  Mon – Wed.    9:00 – 5:00pm.</a:t>
-            </a:r>
-          </a:p>
-          <a:p>
-            <a:pPr>
-              <a:spcBef>
-                <a:spcPts val="1872"/>
-              </a:spcBef>
-            </a:pPr>
-            <a:r>
-              <a:rPr lang="en-US" dirty="0"/>
-              <a:t>Lunch at around 12:10pm: adjacent patio on the west side</a:t>
-            </a:r>
-          </a:p>
-          <a:p>
-            <a:pPr>
-              <a:spcBef>
-                <a:spcPts val="1872"/>
-              </a:spcBef>
-            </a:pPr>
-            <a:r>
-              <a:rPr lang="en-US" dirty="0"/>
-              <a:t>Tonight:  reception at 5pm, same place as the lunch</a:t>
-            </a:r>
-          </a:p>
-          <a:p>
-            <a:pPr>
-              <a:spcBef>
-                <a:spcPts val="1872"/>
-              </a:spcBef>
-            </a:pPr>
-            <a:r>
-              <a:rPr lang="en-US" dirty="0"/>
-              <a:t>Evening activities:  sign up on the conference web site</a:t>
-            </a:r>
-          </a:p>
-          <a:p>
-            <a:pPr marL="0" indent="0">
-              <a:spcBef>
-                <a:spcPts val="1872"/>
-              </a:spcBef>
-              <a:buNone/>
-            </a:pPr>
-            <a:endParaRPr lang="en-US" b="1" dirty="0">
-              <a:solidFill>
-                <a:srgbClr val="3025FF"/>
-              </a:solidFill>
-            </a:endParaRPr>
-          </a:p>
-          <a:p>
-            <a:pPr>
-              <a:spcBef>
-                <a:spcPts val="1872"/>
-              </a:spcBef>
-            </a:pPr>
-            <a:r>
-              <a:rPr lang="en-US" b="1" dirty="0">
-                <a:solidFill>
-                  <a:srgbClr val="3025FF"/>
-                </a:solidFill>
-              </a:rPr>
-              <a:t>Lightning talks tomorrow at noon</a:t>
-            </a:r>
-          </a:p>
-        </p:txBody>
-      </p:sp>
-      <p:pic>
-        <p:nvPicPr>
-          <p:cNvPr id="2" name="Picture 1">
-            <a:extLst>
-              <a:ext uri="{FF2B5EF4-FFF2-40B4-BE49-F238E27FC236}">
-                <a16:creationId xmlns:a16="http://schemas.microsoft.com/office/drawing/2014/main" id="{82876257-D538-1497-8EF4-540D0039F0D7}"/>
-              </a:ext>
-            </a:extLst>
-          </p:cNvPr>
-          <p:cNvPicPr>
-            <a:picLocks noChangeAspect="1"/>
-          </p:cNvPicPr>
-          <p:nvPr/>
-        </p:nvPicPr>
-        <p:blipFill>
-          <a:blip r:embed="rId2"/>
-          <a:srcRect l="2069" t="17663" b="22220"/>
-          <a:stretch>
-            <a:fillRect/>
-          </a:stretch>
-        </p:blipFill>
-        <p:spPr>
-          <a:xfrm>
-            <a:off x="2858947" y="3733800"/>
-            <a:ext cx="4265962" cy="389382"/>
+            <a:off x="284225" y="1019225"/>
+            <a:ext cx="8626800" cy="2424300"/>
           </a:xfrm>
           <a:prstGeom prst="rect">
             <a:avLst/>
           </a:prstGeom>
+          <a:noFill/>
           <a:ln>
-            <a:solidFill>
-              <a:schemeClr val="accent1"/>
-            </a:solidFill>
+            <a:noFill/>
           </a:ln>
         </p:spPr>
-      </p:pic>
+        <p:txBody>
+          <a:bodyPr spcFirstLastPara="1" wrap="square" lIns="0" tIns="0" rIns="0" bIns="0" anchor="t" anchorCtr="0">
+            <a:spAutoFit/>
+          </a:bodyPr>
+          <a:lstStyle/>
+          <a:p>
+            <a:pPr marL="0" marR="0" lvl="0" indent="0" algn="l" defTabSz="914400" rtl="0" eaLnBrk="1" fontAlgn="auto" latinLnBrk="0" hangingPunct="1">
+              <a:lnSpc>
+                <a:spcPct val="130000"/>
+              </a:lnSpc>
+              <a:spcBef>
+                <a:spcPts val="0"/>
+              </a:spcBef>
+              <a:spcAft>
+                <a:spcPts val="0"/>
+              </a:spcAft>
+              <a:buClr>
+                <a:srgbClr val="000000"/>
+              </a:buClr>
+              <a:buSzTx/>
+              <a:buFont typeface="Arial"/>
+              <a:buNone/>
+              <a:tabLst/>
+              <a:defRPr/>
+            </a:pPr>
+            <a:r>
+              <a:rPr kumimoji="0" lang="en" sz="2100" b="1" i="0" u="none" strike="noStrike" kern="0" cap="none" spc="0" normalizeH="0" baseline="0" noProof="0">
+                <a:ln>
+                  <a:noFill/>
+                </a:ln>
+                <a:solidFill>
+                  <a:srgbClr val="2B2C30"/>
+                </a:solidFill>
+                <a:effectLst/>
+                <a:uLnTx/>
+                <a:uFillTx/>
+                <a:latin typeface="Calibri"/>
+                <a:ea typeface="Calibri"/>
+                <a:cs typeface="Calibri"/>
+                <a:sym typeface="Calibri"/>
+              </a:rPr>
+              <a:t>Mission</a:t>
+            </a:r>
+            <a:r>
+              <a:rPr kumimoji="0" lang="en" sz="2100" b="0" i="0" u="none" strike="noStrike" kern="0" cap="none" spc="0" normalizeH="0" baseline="0" noProof="0">
+                <a:ln>
+                  <a:noFill/>
+                </a:ln>
+                <a:solidFill>
+                  <a:srgbClr val="2B2C30"/>
+                </a:solidFill>
+                <a:effectLst/>
+                <a:uLnTx/>
+                <a:uFillTx/>
+                <a:latin typeface="Calibri"/>
+                <a:ea typeface="Calibri"/>
+                <a:cs typeface="Calibri"/>
+                <a:sym typeface="Calibri"/>
+              </a:rPr>
+              <a:t>: Advance the science and technology at the intersection of responsible innovation, decentralization, and AI, and make it universally accessible. </a:t>
+            </a:r>
+            <a:br>
+              <a:rPr kumimoji="0" lang="en" sz="2100" b="0" i="0" u="none" strike="noStrike" kern="0" cap="none" spc="0" normalizeH="0" baseline="0" noProof="0">
+                <a:ln>
+                  <a:noFill/>
+                </a:ln>
+                <a:solidFill>
+                  <a:srgbClr val="2B2C30"/>
+                </a:solidFill>
+                <a:effectLst/>
+                <a:uLnTx/>
+                <a:uFillTx/>
+                <a:latin typeface="Calibri"/>
+                <a:ea typeface="Calibri"/>
+                <a:cs typeface="Calibri"/>
+                <a:sym typeface="Calibri"/>
+              </a:rPr>
+            </a:br>
+            <a:endParaRPr kumimoji="0" sz="2100" b="0" i="0" u="none" strike="noStrike" kern="0" cap="none" spc="0" normalizeH="0" baseline="0" noProof="0">
+              <a:ln>
+                <a:noFill/>
+              </a:ln>
+              <a:solidFill>
+                <a:srgbClr val="2B2C30"/>
+              </a:solidFill>
+              <a:effectLst/>
+              <a:uLnTx/>
+              <a:uFillTx/>
+              <a:latin typeface="Calibri"/>
+              <a:ea typeface="Calibri"/>
+              <a:cs typeface="Calibri"/>
+              <a:sym typeface="Calibri"/>
+            </a:endParaRPr>
+          </a:p>
+          <a:p>
+            <a:pPr marL="0" marR="0" lvl="0" indent="0" algn="l" defTabSz="914400" rtl="0" eaLnBrk="1" fontAlgn="auto" latinLnBrk="0" hangingPunct="1">
+              <a:lnSpc>
+                <a:spcPct val="130000"/>
+              </a:lnSpc>
+              <a:spcBef>
+                <a:spcPts val="0"/>
+              </a:spcBef>
+              <a:spcAft>
+                <a:spcPts val="0"/>
+              </a:spcAft>
+              <a:buClr>
+                <a:srgbClr val="000000"/>
+              </a:buClr>
+              <a:buSzTx/>
+              <a:buFont typeface="Arial"/>
+              <a:buNone/>
+              <a:tabLst/>
+              <a:defRPr/>
+            </a:pPr>
+            <a:r>
+              <a:rPr kumimoji="0" lang="en" sz="2100" b="1" i="0" u="none" strike="noStrike" kern="0" cap="none" spc="0" normalizeH="0" baseline="0" noProof="0">
+                <a:ln>
+                  <a:noFill/>
+                </a:ln>
+                <a:solidFill>
+                  <a:srgbClr val="000000"/>
+                </a:solidFill>
+                <a:effectLst/>
+                <a:uLnTx/>
+                <a:uFillTx/>
+                <a:latin typeface="Calibri"/>
+                <a:ea typeface="Calibri"/>
+                <a:cs typeface="Calibri"/>
+                <a:sym typeface="Calibri"/>
+              </a:rPr>
+              <a:t>Campus-wide, Multidisciplinary Innovation Center</a:t>
+            </a:r>
+            <a:endParaRPr kumimoji="0" sz="700" b="0" i="0" u="none" strike="noStrike" kern="0" cap="none" spc="0" normalizeH="0" baseline="0" noProof="0">
+              <a:ln>
+                <a:noFill/>
+              </a:ln>
+              <a:solidFill>
+                <a:srgbClr val="000000"/>
+              </a:solidFill>
+              <a:effectLst/>
+              <a:uLnTx/>
+              <a:uFillTx/>
+              <a:latin typeface="Calibri"/>
+              <a:ea typeface="Calibri"/>
+              <a:cs typeface="Calibri"/>
+              <a:sym typeface="Calibri"/>
+            </a:endParaRPr>
+          </a:p>
+          <a:p>
+            <a:pPr marL="0" marR="0" lvl="0" indent="0" algn="l" defTabSz="914400" rtl="0" eaLnBrk="1" fontAlgn="auto" latinLnBrk="0" hangingPunct="1">
+              <a:lnSpc>
+                <a:spcPct val="130000"/>
+              </a:lnSpc>
+              <a:spcBef>
+                <a:spcPts val="0"/>
+              </a:spcBef>
+              <a:spcAft>
+                <a:spcPts val="0"/>
+              </a:spcAft>
+              <a:buClr>
+                <a:srgbClr val="000000"/>
+              </a:buClr>
+              <a:buSzTx/>
+              <a:buFont typeface="Arial"/>
+              <a:buNone/>
+              <a:tabLst/>
+              <a:defRPr/>
+            </a:pPr>
+            <a:r>
+              <a:rPr kumimoji="0" lang="en" sz="2100" b="0" i="1" u="none" strike="noStrike" kern="0" cap="none" spc="0" normalizeH="0" baseline="0" noProof="0">
+                <a:ln>
+                  <a:noFill/>
+                </a:ln>
+                <a:solidFill>
+                  <a:srgbClr val="000000"/>
+                </a:solidFill>
+                <a:effectLst/>
+                <a:uLnTx/>
+                <a:uFillTx/>
+                <a:latin typeface="Calibri"/>
+                <a:ea typeface="Calibri"/>
+                <a:cs typeface="Calibri"/>
+                <a:sym typeface="Calibri"/>
+              </a:rPr>
+              <a:t>One of only a few research centers funded by the State of California</a:t>
+            </a:r>
+            <a:endParaRPr kumimoji="0" sz="700" b="0" i="0" u="none" strike="noStrike" kern="0" cap="none" spc="0" normalizeH="0" baseline="0" noProof="0">
+              <a:ln>
+                <a:noFill/>
+              </a:ln>
+              <a:solidFill>
+                <a:srgbClr val="000000"/>
+              </a:solidFill>
+              <a:effectLst/>
+              <a:uLnTx/>
+              <a:uFillTx/>
+              <a:latin typeface="Calibri"/>
+              <a:ea typeface="Calibri"/>
+              <a:cs typeface="Calibri"/>
+              <a:sym typeface="Calibri"/>
+            </a:endParaRPr>
+          </a:p>
+          <a:p>
+            <a:pPr marL="0" marR="0" lvl="0" indent="0" algn="l" defTabSz="914400" rtl="0" eaLnBrk="1" fontAlgn="auto" latinLnBrk="0" hangingPunct="1">
+              <a:lnSpc>
+                <a:spcPct val="190357"/>
+              </a:lnSpc>
+              <a:spcBef>
+                <a:spcPts val="0"/>
+              </a:spcBef>
+              <a:spcAft>
+                <a:spcPts val="0"/>
+              </a:spcAft>
+              <a:buClr>
+                <a:srgbClr val="000000"/>
+              </a:buClr>
+              <a:buSzTx/>
+              <a:buFont typeface="Arial"/>
+              <a:buNone/>
+              <a:tabLst/>
+              <a:defRPr/>
+            </a:pPr>
+            <a:endParaRPr kumimoji="0" sz="2100" b="0" i="1" u="none" strike="noStrike" kern="0" cap="none" spc="0" normalizeH="0" baseline="0" noProof="0">
+              <a:ln>
+                <a:noFill/>
+              </a:ln>
+              <a:solidFill>
+                <a:srgbClr val="052E59"/>
+              </a:solidFill>
+              <a:effectLst/>
+              <a:uLnTx/>
+              <a:uFillTx/>
+              <a:latin typeface="Times"/>
+              <a:ea typeface="Times"/>
+              <a:cs typeface="Times"/>
+              <a:sym typeface="Times"/>
+            </a:endParaRPr>
+          </a:p>
+        </p:txBody>
+      </p:sp>
+      <p:sp>
+        <p:nvSpPr>
+          <p:cNvPr id="180" name="Google Shape;180;p32"/>
+          <p:cNvSpPr/>
+          <p:nvPr/>
+        </p:nvSpPr>
+        <p:spPr>
+          <a:xfrm>
+            <a:off x="783363" y="3503007"/>
+            <a:ext cx="4256843" cy="1255768"/>
+          </a:xfrm>
+          <a:custGeom>
+            <a:avLst/>
+            <a:gdLst/>
+            <a:ahLst/>
+            <a:cxnLst/>
+            <a:rect l="l" t="t" r="r" b="b"/>
+            <a:pathLst>
+              <a:path w="8513686" h="2511537" extrusionOk="0">
+                <a:moveTo>
+                  <a:pt x="0" y="0"/>
+                </a:moveTo>
+                <a:lnTo>
+                  <a:pt x="8513686" y="0"/>
+                </a:lnTo>
+                <a:lnTo>
+                  <a:pt x="8513686" y="2511538"/>
+                </a:lnTo>
+                <a:lnTo>
+                  <a:pt x="0" y="2511538"/>
+                </a:lnTo>
+                <a:lnTo>
+                  <a:pt x="0" y="0"/>
+                </a:lnTo>
+                <a:close/>
+              </a:path>
+            </a:pathLst>
+          </a:custGeom>
+          <a:blipFill rotWithShape="1">
+            <a:blip r:embed="rId3">
+              <a:alphaModFix/>
+            </a:blip>
+            <a:stretch>
+              <a:fillRect/>
+            </a:stretch>
+          </a:blipFill>
+          <a:ln>
+            <a:noFill/>
+          </a:ln>
+        </p:spPr>
+        <p:txBody>
+          <a:bodyPr/>
+          <a:lstStyle/>
+          <a:p>
+            <a:pPr marL="0" marR="0" lvl="0" indent="0" algn="l" defTabSz="914400" rtl="0" eaLnBrk="1" fontAlgn="auto" latinLnBrk="0" hangingPunct="1">
+              <a:lnSpc>
+                <a:spcPct val="100000"/>
+              </a:lnSpc>
+              <a:spcBef>
+                <a:spcPts val="0"/>
+              </a:spcBef>
+              <a:spcAft>
+                <a:spcPts val="0"/>
+              </a:spcAft>
+              <a:buClr>
+                <a:srgbClr val="000000"/>
+              </a:buClr>
+              <a:buSzTx/>
+              <a:buFont typeface="Arial"/>
+              <a:buNone/>
+              <a:tabLst/>
+              <a:defRPr/>
+            </a:pPr>
+            <a:endParaRPr kumimoji="0" lang="en-US" sz="1400" b="0" i="0" u="none" strike="noStrike" kern="0" cap="none" spc="0" normalizeH="0" baseline="0" noProof="0">
+              <a:ln>
+                <a:noFill/>
+              </a:ln>
+              <a:solidFill>
+                <a:srgbClr val="000000"/>
+              </a:solidFill>
+              <a:effectLst/>
+              <a:uLnTx/>
+              <a:uFillTx/>
+              <a:latin typeface="Arial"/>
+              <a:cs typeface="Arial"/>
+              <a:sym typeface="Arial"/>
+            </a:endParaRPr>
+          </a:p>
+        </p:txBody>
+      </p:sp>
+      <p:sp>
+        <p:nvSpPr>
+          <p:cNvPr id="181" name="Google Shape;181;p32"/>
+          <p:cNvSpPr/>
+          <p:nvPr/>
+        </p:nvSpPr>
+        <p:spPr>
+          <a:xfrm>
+            <a:off x="6140634" y="295948"/>
+            <a:ext cx="2770577" cy="436802"/>
+          </a:xfrm>
+          <a:custGeom>
+            <a:avLst/>
+            <a:gdLst/>
+            <a:ahLst/>
+            <a:cxnLst/>
+            <a:rect l="l" t="t" r="r" b="b"/>
+            <a:pathLst>
+              <a:path w="5541154" h="873605" extrusionOk="0">
+                <a:moveTo>
+                  <a:pt x="0" y="0"/>
+                </a:moveTo>
+                <a:lnTo>
+                  <a:pt x="5541153" y="0"/>
+                </a:lnTo>
+                <a:lnTo>
+                  <a:pt x="5541153" y="873606"/>
+                </a:lnTo>
+                <a:lnTo>
+                  <a:pt x="0" y="873606"/>
+                </a:lnTo>
+                <a:lnTo>
+                  <a:pt x="0" y="0"/>
+                </a:lnTo>
+                <a:close/>
+              </a:path>
+            </a:pathLst>
+          </a:custGeom>
+          <a:blipFill rotWithShape="1">
+            <a:blip r:embed="rId4">
+              <a:alphaModFix/>
+            </a:blip>
+            <a:stretch>
+              <a:fillRect/>
+            </a:stretch>
+          </a:blipFill>
+          <a:ln>
+            <a:noFill/>
+          </a:ln>
+        </p:spPr>
+        <p:txBody>
+          <a:bodyPr/>
+          <a:lstStyle/>
+          <a:p>
+            <a:pPr marL="0" marR="0" lvl="0" indent="0" algn="l" defTabSz="914400" rtl="0" eaLnBrk="1" fontAlgn="auto" latinLnBrk="0" hangingPunct="1">
+              <a:lnSpc>
+                <a:spcPct val="100000"/>
+              </a:lnSpc>
+              <a:spcBef>
+                <a:spcPts val="0"/>
+              </a:spcBef>
+              <a:spcAft>
+                <a:spcPts val="0"/>
+              </a:spcAft>
+              <a:buClr>
+                <a:srgbClr val="000000"/>
+              </a:buClr>
+              <a:buSzTx/>
+              <a:buFont typeface="Arial"/>
+              <a:buNone/>
+              <a:tabLst/>
+              <a:defRPr/>
+            </a:pPr>
+            <a:endParaRPr kumimoji="0" lang="en-US" sz="1400" b="0" i="0" u="none" strike="noStrike" kern="0" cap="none" spc="0" normalizeH="0" baseline="0" noProof="0">
+              <a:ln>
+                <a:noFill/>
+              </a:ln>
+              <a:solidFill>
+                <a:srgbClr val="000000"/>
+              </a:solidFill>
+              <a:effectLst/>
+              <a:uLnTx/>
+              <a:uFillTx/>
+              <a:latin typeface="Arial"/>
+              <a:cs typeface="Arial"/>
+              <a:sym typeface="Arial"/>
+            </a:endParaRPr>
+          </a:p>
+        </p:txBody>
+      </p:sp>
     </p:spTree>
-    <p:extLst>
-      <p:ext uri="{BB962C8B-B14F-4D97-AF65-F5344CB8AC3E}">
-        <p14:creationId xmlns:p14="http://schemas.microsoft.com/office/powerpoint/2010/main" val="1164499180"/>
-      </p:ext>
-    </p:extLst>
   </p:cSld>
   <p:clrMapOvr>
     <a:masterClrMapping/>
   </p:clrMapOvr>
-  <p:timing>
-    <p:tnLst>
-      <p:par>
-        <p:cTn id="1" dur="indefinite" restart="never" nodeType="tmRoot">
-          <p:childTnLst>
-            <p:seq concurrent="1" nextAc="seek">
-              <p:cTn id="2" dur="indefinite" nodeType="mainSeq">
-                <p:childTnLst>
-                  <p:par>
-                    <p:cTn id="3" fill="hold">
-                      <p:stCondLst>
-                        <p:cond delay="indefinite"/>
-                      </p:stCondLst>
-                      <p:childTnLst>
-                        <p:par>
-                          <p:cTn id="4" fill="hold">
-                            <p:stCondLst>
-                              <p:cond delay="0"/>
-                            </p:stCondLst>
-                            <p:childTnLst>
-                              <p:par>
-                                <p:cTn id="5" presetID="1" presetClass="entr" presetSubtype="0" fill="hold" nodeType="clickEffect">
-                                  <p:stCondLst>
-                                    <p:cond delay="0"/>
-                                  </p:stCondLst>
-                                  <p:childTnLst>
-                                    <p:set>
-                                      <p:cBhvr>
-                                        <p:cTn id="6" dur="1" fill="hold">
-                                          <p:stCondLst>
-                                            <p:cond delay="0"/>
-                                          </p:stCondLst>
-                                        </p:cTn>
-                                        <p:tgtEl>
-                                          <p:spTgt spid="20482">
-                                            <p:txEl>
-                                              <p:pRg st="3" end="3"/>
-                                            </p:txEl>
-                                          </p:spTgt>
-                                        </p:tgtEl>
-                                        <p:attrNameLst>
-                                          <p:attrName>style.visibility</p:attrName>
-                                        </p:attrNameLst>
-                                      </p:cBhvr>
-                                      <p:to>
-                                        <p:strVal val="visible"/>
-                                      </p:to>
-                                    </p:set>
-                                  </p:childTnLst>
-                                </p:cTn>
-                              </p:par>
-                              <p:par>
-                                <p:cTn id="7" presetID="1" presetClass="entr" presetSubtype="0" fill="hold" nodeType="withEffect">
-                                  <p:stCondLst>
-                                    <p:cond delay="0"/>
-                                  </p:stCondLst>
-                                  <p:childTnLst>
-                                    <p:set>
-                                      <p:cBhvr>
-                                        <p:cTn id="8" dur="1" fill="hold">
-                                          <p:stCondLst>
-                                            <p:cond delay="0"/>
-                                          </p:stCondLst>
-                                        </p:cTn>
-                                        <p:tgtEl>
-                                          <p:spTgt spid="20482">
-                                            <p:txEl>
-                                              <p:pRg st="5" end="5"/>
-                                            </p:txEl>
-                                          </p:spTgt>
-                                        </p:tgtEl>
-                                        <p:attrNameLst>
-                                          <p:attrName>style.visibility</p:attrName>
-                                        </p:attrNameLst>
-                                      </p:cBhvr>
-                                      <p:to>
-                                        <p:strVal val="visible"/>
-                                      </p:to>
-                                    </p:set>
-                                  </p:childTnLst>
-                                </p:cTn>
-                              </p:par>
-                              <p:par>
-                                <p:cTn id="9" presetID="1" presetClass="entr" presetSubtype="0" fill="hold" nodeType="withEffect">
-                                  <p:stCondLst>
-                                    <p:cond delay="0"/>
-                                  </p:stCondLst>
-                                  <p:childTnLst>
-                                    <p:set>
-                                      <p:cBhvr>
-                                        <p:cTn id="10" dur="1" fill="hold">
-                                          <p:stCondLst>
-                                            <p:cond delay="0"/>
-                                          </p:stCondLst>
-                                        </p:cTn>
-                                        <p:tgtEl>
-                                          <p:spTgt spid="2"/>
-                                        </p:tgtEl>
-                                        <p:attrNameLst>
-                                          <p:attrName>style.visibility</p:attrName>
-                                        </p:attrNameLst>
-                                      </p:cBhvr>
-                                      <p:to>
-                                        <p:strVal val="visible"/>
-                                      </p:to>
-                                    </p:set>
-                                  </p:childTnLst>
-                                </p:cTn>
-                              </p:par>
-                            </p:childTnLst>
-                          </p:cTn>
-                        </p:par>
-                      </p:childTnLst>
-                    </p:cTn>
-                  </p:par>
-                </p:childTnLst>
-              </p:cTn>
-              <p:prevCondLst>
-                <p:cond evt="onPrev" delay="0">
-                  <p:tgtEl>
-                    <p:sldTgt/>
-                  </p:tgtEl>
-                </p:cond>
-              </p:prevCondLst>
-              <p:nextCondLst>
-                <p:cond evt="onNext" delay="0">
-                  <p:tgtEl>
-                    <p:sldTgt/>
-                  </p:tgtEl>
-                </p:cond>
-              </p:nextCondLst>
-            </p:seq>
-          </p:childTnLst>
-        </p:cTn>
-      </p:par>
-    </p:tnLst>
-  </p:timing>
 </p:sld>
 </file>
 
